--- a/PPT/DataScience13-ScikitLearn.pptx
+++ b/PPT/DataScience13-ScikitLearn.pptx
@@ -5,27 +5,16 @@
     <p:sldMasterId id="2147483653" r:id="rId1"/>
   </p:sldMasterIdLst>
   <p:notesMasterIdLst>
-    <p:notesMasterId r:id="rId17"/>
+    <p:notesMasterId r:id="rId6"/>
   </p:notesMasterIdLst>
   <p:handoutMasterIdLst>
-    <p:handoutMasterId r:id="rId18"/>
+    <p:handoutMasterId r:id="rId7"/>
   </p:handoutMasterIdLst>
   <p:sldIdLst>
     <p:sldId id="264" r:id="rId2"/>
     <p:sldId id="265" r:id="rId3"/>
     <p:sldId id="266" r:id="rId4"/>
     <p:sldId id="278" r:id="rId5"/>
-    <p:sldId id="267" r:id="rId6"/>
-    <p:sldId id="268" r:id="rId7"/>
-    <p:sldId id="270" r:id="rId8"/>
-    <p:sldId id="269" r:id="rId9"/>
-    <p:sldId id="271" r:id="rId10"/>
-    <p:sldId id="272" r:id="rId11"/>
-    <p:sldId id="273" r:id="rId12"/>
-    <p:sldId id="275" r:id="rId13"/>
-    <p:sldId id="274" r:id="rId14"/>
-    <p:sldId id="276" r:id="rId15"/>
-    <p:sldId id="277" r:id="rId16"/>
   </p:sldIdLst>
   <p:sldSz cx="9144000" cy="6858000" type="screen4x3"/>
   <p:notesSz cx="6648450" cy="9782175"/>
@@ -618,35 +607,35 @@
           <a:p>
             <a:pPr lvl="0"/>
             <a:r>
-              <a:rPr lang="fr-FR" noProof="0" smtClean="0"/>
+              <a:rPr lang="fr-FR" noProof="0"/>
               <a:t>Cliquez pour modifier les styles du texte du masque</a:t>
             </a:r>
           </a:p>
           <a:p>
             <a:pPr lvl="1"/>
             <a:r>
-              <a:rPr lang="fr-FR" noProof="0" smtClean="0"/>
+              <a:rPr lang="fr-FR" noProof="0"/>
               <a:t>Deuxième niveau</a:t>
             </a:r>
           </a:p>
           <a:p>
             <a:pPr lvl="2"/>
             <a:r>
-              <a:rPr lang="fr-FR" noProof="0" smtClean="0"/>
+              <a:rPr lang="fr-FR" noProof="0"/>
               <a:t>Troisième niveau</a:t>
             </a:r>
           </a:p>
           <a:p>
             <a:pPr lvl="3"/>
             <a:r>
-              <a:rPr lang="fr-FR" noProof="0" smtClean="0"/>
+              <a:rPr lang="fr-FR" noProof="0"/>
               <a:t>Quatrième niveau</a:t>
             </a:r>
           </a:p>
           <a:p>
             <a:pPr lvl="4"/>
             <a:r>
-              <a:rPr lang="fr-FR" noProof="0" smtClean="0"/>
+              <a:rPr lang="fr-FR" noProof="0"/>
               <a:t>Cinquième niveau</a:t>
             </a:r>
           </a:p>
@@ -934,10 +923,9 @@
           <a:lstStyle/>
           <a:p>
             <a:r>
-              <a:rPr lang="fr-FR" smtClean="0"/>
+              <a:rPr lang="fr-FR"/>
               <a:t>Cliquez pour modifier le style du titre</a:t>
             </a:r>
-            <a:endParaRPr lang="fr-FR"/>
           </a:p>
         </p:txBody>
       </p:sp>
@@ -999,10 +987,9 @@
           </a:lstStyle>
           <a:p>
             <a:r>
-              <a:rPr lang="fr-FR" smtClean="0"/>
+              <a:rPr lang="fr-FR"/>
               <a:t>Cliquez pour modifier le style des sous-titres du masque</a:t>
             </a:r>
-            <a:endParaRPr lang="fr-FR"/>
           </a:p>
         </p:txBody>
       </p:sp>
@@ -1057,10 +1044,9 @@
           <a:lstStyle/>
           <a:p>
             <a:r>
-              <a:rPr lang="fr-FR" smtClean="0"/>
+              <a:rPr lang="fr-FR"/>
               <a:t>Cliquez pour modifier le style du titre</a:t>
             </a:r>
-            <a:endParaRPr lang="fr-FR"/>
           </a:p>
         </p:txBody>
       </p:sp>
@@ -1086,38 +1072,37 @@
           <a:p>
             <a:pPr lvl="0"/>
             <a:r>
-              <a:rPr lang="fr-FR" smtClean="0"/>
+              <a:rPr lang="fr-FR"/>
               <a:t>Cliquez pour modifier les styles du texte du masque</a:t>
             </a:r>
           </a:p>
           <a:p>
             <a:pPr lvl="1"/>
             <a:r>
-              <a:rPr lang="fr-FR" smtClean="0"/>
+              <a:rPr lang="fr-FR"/>
               <a:t>Deuxième niveau</a:t>
             </a:r>
           </a:p>
           <a:p>
             <a:pPr lvl="2"/>
             <a:r>
-              <a:rPr lang="fr-FR" smtClean="0"/>
+              <a:rPr lang="fr-FR"/>
               <a:t>Troisième niveau</a:t>
             </a:r>
           </a:p>
           <a:p>
             <a:pPr lvl="3"/>
             <a:r>
-              <a:rPr lang="fr-FR" smtClean="0"/>
+              <a:rPr lang="fr-FR"/>
               <a:t>Quatrième niveau</a:t>
             </a:r>
           </a:p>
           <a:p>
             <a:pPr lvl="4"/>
             <a:r>
-              <a:rPr lang="fr-FR" smtClean="0"/>
+              <a:rPr lang="fr-FR"/>
               <a:t>Cinquième niveau</a:t>
             </a:r>
-            <a:endParaRPr lang="fr-FR"/>
           </a:p>
         </p:txBody>
       </p:sp>
@@ -1176,10 +1161,9 @@
           </a:lstStyle>
           <a:p>
             <a:r>
-              <a:rPr lang="fr-FR" dirty="0" smtClean="0"/>
+              <a:rPr lang="fr-FR" dirty="0"/>
               <a:t>Cliquez pour modifier le style du titre</a:t>
             </a:r>
-            <a:endParaRPr lang="fr-FR" dirty="0"/>
           </a:p>
         </p:txBody>
       </p:sp>
@@ -1205,38 +1189,37 @@
           <a:p>
             <a:pPr lvl="0"/>
             <a:r>
-              <a:rPr lang="fr-FR" dirty="0" smtClean="0"/>
+              <a:rPr lang="fr-FR" dirty="0"/>
               <a:t>Cliquez pour modifier les styles du texte du masque</a:t>
             </a:r>
           </a:p>
           <a:p>
             <a:pPr lvl="1"/>
             <a:r>
-              <a:rPr lang="fr-FR" dirty="0" smtClean="0"/>
+              <a:rPr lang="fr-FR" dirty="0"/>
               <a:t>Deuxième niveau</a:t>
             </a:r>
           </a:p>
           <a:p>
             <a:pPr lvl="2"/>
             <a:r>
-              <a:rPr lang="fr-FR" dirty="0" smtClean="0"/>
+              <a:rPr lang="fr-FR" dirty="0"/>
               <a:t>Troisième niveau</a:t>
             </a:r>
           </a:p>
           <a:p>
             <a:pPr lvl="3"/>
             <a:r>
-              <a:rPr lang="fr-FR" dirty="0" smtClean="0"/>
+              <a:rPr lang="fr-FR" dirty="0"/>
               <a:t>Quatrième niveau</a:t>
             </a:r>
           </a:p>
           <a:p>
             <a:pPr lvl="4"/>
             <a:r>
-              <a:rPr lang="fr-FR" dirty="0" smtClean="0"/>
+              <a:rPr lang="fr-FR" dirty="0"/>
               <a:t>Cinquième niveau</a:t>
             </a:r>
-            <a:endParaRPr lang="fr-FR" dirty="0"/>
           </a:p>
         </p:txBody>
       </p:sp>
@@ -1286,10 +1269,9 @@
           <a:lstStyle/>
           <a:p>
             <a:r>
-              <a:rPr lang="fr-FR" smtClean="0"/>
+              <a:rPr lang="fr-FR"/>
               <a:t>Cliquez pour modifier le style du titre</a:t>
             </a:r>
-            <a:endParaRPr lang="fr-FR"/>
           </a:p>
         </p:txBody>
       </p:sp>
@@ -1343,38 +1325,37 @@
           <a:p>
             <a:pPr lvl="0"/>
             <a:r>
-              <a:rPr lang="fr-FR" smtClean="0"/>
+              <a:rPr lang="fr-FR"/>
               <a:t>Cliquez pour modifier les styles du texte du masque</a:t>
             </a:r>
           </a:p>
           <a:p>
             <a:pPr lvl="1"/>
             <a:r>
-              <a:rPr lang="fr-FR" smtClean="0"/>
+              <a:rPr lang="fr-FR"/>
               <a:t>Deuxième niveau</a:t>
             </a:r>
           </a:p>
           <a:p>
             <a:pPr lvl="2"/>
             <a:r>
-              <a:rPr lang="fr-FR" smtClean="0"/>
+              <a:rPr lang="fr-FR"/>
               <a:t>Troisième niveau</a:t>
             </a:r>
           </a:p>
           <a:p>
             <a:pPr lvl="3"/>
             <a:r>
-              <a:rPr lang="fr-FR" smtClean="0"/>
+              <a:rPr lang="fr-FR"/>
               <a:t>Quatrième niveau</a:t>
             </a:r>
           </a:p>
           <a:p>
             <a:pPr lvl="4"/>
             <a:r>
-              <a:rPr lang="fr-FR" smtClean="0"/>
+              <a:rPr lang="fr-FR"/>
               <a:t>Cinquième niveau</a:t>
             </a:r>
-            <a:endParaRPr lang="fr-FR"/>
           </a:p>
         </p:txBody>
       </p:sp>
@@ -1428,38 +1409,37 @@
           <a:p>
             <a:pPr lvl="0"/>
             <a:r>
-              <a:rPr lang="fr-FR" smtClean="0"/>
+              <a:rPr lang="fr-FR"/>
               <a:t>Cliquez pour modifier les styles du texte du masque</a:t>
             </a:r>
           </a:p>
           <a:p>
             <a:pPr lvl="1"/>
             <a:r>
-              <a:rPr lang="fr-FR" smtClean="0"/>
+              <a:rPr lang="fr-FR"/>
               <a:t>Deuxième niveau</a:t>
             </a:r>
           </a:p>
           <a:p>
             <a:pPr lvl="2"/>
             <a:r>
-              <a:rPr lang="fr-FR" smtClean="0"/>
+              <a:rPr lang="fr-FR"/>
               <a:t>Troisième niveau</a:t>
             </a:r>
           </a:p>
           <a:p>
             <a:pPr lvl="3"/>
             <a:r>
-              <a:rPr lang="fr-FR" smtClean="0"/>
+              <a:rPr lang="fr-FR"/>
               <a:t>Quatrième niveau</a:t>
             </a:r>
           </a:p>
           <a:p>
             <a:pPr lvl="4"/>
             <a:r>
-              <a:rPr lang="fr-FR" smtClean="0"/>
+              <a:rPr lang="fr-FR"/>
               <a:t>Cinquième niveau</a:t>
             </a:r>
-            <a:endParaRPr lang="fr-FR"/>
           </a:p>
         </p:txBody>
       </p:sp>
@@ -1518,10 +1498,9 @@
           </a:lstStyle>
           <a:p>
             <a:r>
-              <a:rPr lang="fr-FR" smtClean="0"/>
+              <a:rPr lang="fr-FR"/>
               <a:t>Cliquez pour modifier le style du titre</a:t>
             </a:r>
-            <a:endParaRPr lang="fr-FR"/>
           </a:p>
         </p:txBody>
       </p:sp>
@@ -1584,7 +1563,7 @@
           <a:p>
             <a:pPr lvl="0"/>
             <a:r>
-              <a:rPr lang="fr-FR" smtClean="0"/>
+              <a:rPr lang="fr-FR"/>
               <a:t>Cliquez pour modifier les styles du texte du masque</a:t>
             </a:r>
           </a:p>
@@ -1640,38 +1619,37 @@
           <a:p>
             <a:pPr lvl="0"/>
             <a:r>
-              <a:rPr lang="fr-FR" smtClean="0"/>
+              <a:rPr lang="fr-FR"/>
               <a:t>Cliquez pour modifier les styles du texte du masque</a:t>
             </a:r>
           </a:p>
           <a:p>
             <a:pPr lvl="1"/>
             <a:r>
-              <a:rPr lang="fr-FR" smtClean="0"/>
+              <a:rPr lang="fr-FR"/>
               <a:t>Deuxième niveau</a:t>
             </a:r>
           </a:p>
           <a:p>
             <a:pPr lvl="2"/>
             <a:r>
-              <a:rPr lang="fr-FR" smtClean="0"/>
+              <a:rPr lang="fr-FR"/>
               <a:t>Troisième niveau</a:t>
             </a:r>
           </a:p>
           <a:p>
             <a:pPr lvl="3"/>
             <a:r>
-              <a:rPr lang="fr-FR" smtClean="0"/>
+              <a:rPr lang="fr-FR"/>
               <a:t>Quatrième niveau</a:t>
             </a:r>
           </a:p>
           <a:p>
             <a:pPr lvl="4"/>
             <a:r>
-              <a:rPr lang="fr-FR" smtClean="0"/>
+              <a:rPr lang="fr-FR"/>
               <a:t>Cinquième niveau</a:t>
             </a:r>
-            <a:endParaRPr lang="fr-FR"/>
           </a:p>
         </p:txBody>
       </p:sp>
@@ -1734,7 +1712,7 @@
           <a:p>
             <a:pPr lvl="0"/>
             <a:r>
-              <a:rPr lang="fr-FR" smtClean="0"/>
+              <a:rPr lang="fr-FR"/>
               <a:t>Cliquez pour modifier les styles du texte du masque</a:t>
             </a:r>
           </a:p>
@@ -1790,38 +1768,37 @@
           <a:p>
             <a:pPr lvl="0"/>
             <a:r>
-              <a:rPr lang="fr-FR" smtClean="0"/>
+              <a:rPr lang="fr-FR"/>
               <a:t>Cliquez pour modifier les styles du texte du masque</a:t>
             </a:r>
           </a:p>
           <a:p>
             <a:pPr lvl="1"/>
             <a:r>
-              <a:rPr lang="fr-FR" smtClean="0"/>
+              <a:rPr lang="fr-FR"/>
               <a:t>Deuxième niveau</a:t>
             </a:r>
           </a:p>
           <a:p>
             <a:pPr lvl="2"/>
             <a:r>
-              <a:rPr lang="fr-FR" smtClean="0"/>
+              <a:rPr lang="fr-FR"/>
               <a:t>Troisième niveau</a:t>
             </a:r>
           </a:p>
           <a:p>
             <a:pPr lvl="3"/>
             <a:r>
-              <a:rPr lang="fr-FR" smtClean="0"/>
+              <a:rPr lang="fr-FR"/>
               <a:t>Quatrième niveau</a:t>
             </a:r>
           </a:p>
           <a:p>
             <a:pPr lvl="4"/>
             <a:r>
-              <a:rPr lang="fr-FR" smtClean="0"/>
+              <a:rPr lang="fr-FR"/>
               <a:t>Cinquième niveau</a:t>
             </a:r>
-            <a:endParaRPr lang="fr-FR"/>
           </a:p>
         </p:txBody>
       </p:sp>
@@ -1871,10 +1848,9 @@
           <a:lstStyle/>
           <a:p>
             <a:r>
-              <a:rPr lang="fr-FR" smtClean="0"/>
+              <a:rPr lang="fr-FR"/>
               <a:t>Cliquez pour modifier le style du titre</a:t>
             </a:r>
-            <a:endParaRPr lang="fr-FR"/>
           </a:p>
         </p:txBody>
       </p:sp>
@@ -1963,10 +1939,9 @@
           </a:lstStyle>
           <a:p>
             <a:r>
-              <a:rPr lang="fr-FR" smtClean="0"/>
+              <a:rPr lang="fr-FR"/>
               <a:t>Cliquez pour modifier le style du titre</a:t>
             </a:r>
-            <a:endParaRPr lang="fr-FR"/>
           </a:p>
         </p:txBody>
       </p:sp>
@@ -2020,38 +1995,37 @@
           <a:p>
             <a:pPr lvl="0"/>
             <a:r>
-              <a:rPr lang="fr-FR" smtClean="0"/>
+              <a:rPr lang="fr-FR"/>
               <a:t>Cliquez pour modifier les styles du texte du masque</a:t>
             </a:r>
           </a:p>
           <a:p>
             <a:pPr lvl="1"/>
             <a:r>
-              <a:rPr lang="fr-FR" smtClean="0"/>
+              <a:rPr lang="fr-FR"/>
               <a:t>Deuxième niveau</a:t>
             </a:r>
           </a:p>
           <a:p>
             <a:pPr lvl="2"/>
             <a:r>
-              <a:rPr lang="fr-FR" smtClean="0"/>
+              <a:rPr lang="fr-FR"/>
               <a:t>Troisième niveau</a:t>
             </a:r>
           </a:p>
           <a:p>
             <a:pPr lvl="3"/>
             <a:r>
-              <a:rPr lang="fr-FR" smtClean="0"/>
+              <a:rPr lang="fr-FR"/>
               <a:t>Quatrième niveau</a:t>
             </a:r>
           </a:p>
           <a:p>
             <a:pPr lvl="4"/>
             <a:r>
-              <a:rPr lang="fr-FR" smtClean="0"/>
+              <a:rPr lang="fr-FR"/>
               <a:t>Cinquième niveau</a:t>
             </a:r>
-            <a:endParaRPr lang="fr-FR"/>
           </a:p>
         </p:txBody>
       </p:sp>
@@ -2114,7 +2088,7 @@
           <a:p>
             <a:pPr lvl="0"/>
             <a:r>
-              <a:rPr lang="fr-FR" smtClean="0"/>
+              <a:rPr lang="fr-FR"/>
               <a:t>Cliquez pour modifier les styles du texte du masque</a:t>
             </a:r>
           </a:p>
@@ -2175,10 +2149,9 @@
           </a:lstStyle>
           <a:p>
             <a:r>
-              <a:rPr lang="fr-FR" smtClean="0"/>
+              <a:rPr lang="fr-FR"/>
               <a:t>Cliquez pour modifier le style du titre</a:t>
             </a:r>
-            <a:endParaRPr lang="fr-FR"/>
           </a:p>
         </p:txBody>
       </p:sp>
@@ -2240,7 +2213,7 @@
           </a:lstStyle>
           <a:p>
             <a:pPr lvl="0"/>
-            <a:endParaRPr lang="fr-FR" noProof="0" smtClean="0"/>
+            <a:endParaRPr lang="fr-FR" noProof="0"/>
           </a:p>
         </p:txBody>
       </p:sp>
@@ -2303,7 +2276,7 @@
           <a:p>
             <a:pPr lvl="0"/>
             <a:r>
-              <a:rPr lang="fr-FR" smtClean="0"/>
+              <a:rPr lang="fr-FR"/>
               <a:t>Cliquez pour modifier les styles du texte du masque</a:t>
             </a:r>
           </a:p>
@@ -2355,10 +2328,9 @@
           <a:lstStyle/>
           <a:p>
             <a:r>
-              <a:rPr lang="fr-FR" smtClean="0"/>
+              <a:rPr lang="fr-FR"/>
               <a:t>Cliquez pour modifier le style du titre</a:t>
             </a:r>
-            <a:endParaRPr lang="fr-FR"/>
           </a:p>
         </p:txBody>
       </p:sp>
@@ -2379,38 +2351,37 @@
           <a:p>
             <a:pPr lvl="0"/>
             <a:r>
-              <a:rPr lang="fr-FR" smtClean="0"/>
+              <a:rPr lang="fr-FR"/>
               <a:t>Cliquez pour modifier les styles du texte du masque</a:t>
             </a:r>
           </a:p>
           <a:p>
             <a:pPr lvl="1"/>
             <a:r>
-              <a:rPr lang="fr-FR" smtClean="0"/>
+              <a:rPr lang="fr-FR"/>
               <a:t>Deuxième niveau</a:t>
             </a:r>
           </a:p>
           <a:p>
             <a:pPr lvl="2"/>
             <a:r>
-              <a:rPr lang="fr-FR" smtClean="0"/>
+              <a:rPr lang="fr-FR"/>
               <a:t>Troisième niveau</a:t>
             </a:r>
           </a:p>
           <a:p>
             <a:pPr lvl="3"/>
             <a:r>
-              <a:rPr lang="fr-FR" smtClean="0"/>
+              <a:rPr lang="fr-FR"/>
               <a:t>Quatrième niveau</a:t>
             </a:r>
           </a:p>
           <a:p>
             <a:pPr lvl="4"/>
             <a:r>
-              <a:rPr lang="fr-FR" smtClean="0"/>
+              <a:rPr lang="fr-FR"/>
               <a:t>Cinquième niveau</a:t>
             </a:r>
-            <a:endParaRPr lang="fr-FR"/>
           </a:p>
         </p:txBody>
       </p:sp>
@@ -2591,7 +2562,7 @@
             <a:pPr eaLnBrk="1" hangingPunct="1">
               <a:defRPr/>
             </a:pPr>
-            <a:endParaRPr lang="fr-FR" altLang="fr-FR" smtClean="0"/>
+            <a:endParaRPr lang="fr-FR" altLang="fr-FR"/>
           </a:p>
         </p:txBody>
       </p:sp>
@@ -2745,7 +2716,7 @@
               <a:defRPr/>
             </a:pPr>
             <a:r>
-              <a:rPr lang="fr-FR" sz="1200" dirty="0" smtClean="0"/>
+              <a:rPr lang="fr-FR" sz="1200" dirty="0"/>
               <a:t>Page </a:t>
             </a:r>
             <a:fld id="{E218E9B1-FD08-4C80-902E-210BA2967D0D}" type="slidenum">
@@ -2758,7 +2729,7 @@
               </a:pPr>
               <a:t>‹N°›</a:t>
             </a:fld>
-            <a:endParaRPr lang="fr-FR" dirty="0" smtClean="0">
+            <a:endParaRPr lang="fr-FR" dirty="0">
               <a:latin typeface="Times New Roman" pitchFamily="18" charset="0"/>
             </a:endParaRPr>
           </a:p>
@@ -2914,10 +2885,10 @@
               <a:defRPr/>
             </a:pPr>
             <a:r>
-              <a:rPr lang="fr-FR" sz="1600" dirty="0" smtClean="0"/>
+              <a:rPr lang="fr-FR" sz="1600" dirty="0"/>
               <a:t>Python</a:t>
             </a:r>
-            <a:endParaRPr lang="fr-FR" dirty="0" smtClean="0">
+            <a:endParaRPr lang="fr-FR" dirty="0">
               <a:latin typeface="Times New Roman" pitchFamily="18" charset="0"/>
             </a:endParaRPr>
           </a:p>
@@ -2975,7 +2946,7 @@
           <a:p>
             <a:pPr lvl="0"/>
             <a:r>
-              <a:rPr lang="fr-FR" altLang="fr-FR" smtClean="0"/>
+              <a:rPr lang="fr-FR" altLang="fr-FR"/>
               <a:t>Cliquez pour modifier le style du titre du masque</a:t>
             </a:r>
           </a:p>
@@ -3033,35 +3004,35 @@
           <a:p>
             <a:pPr lvl="0"/>
             <a:r>
-              <a:rPr lang="fr-FR" altLang="fr-FR" smtClean="0"/>
+              <a:rPr lang="fr-FR" altLang="fr-FR"/>
               <a:t>Cliquez pour modifier les styles du texte du masque</a:t>
             </a:r>
           </a:p>
           <a:p>
             <a:pPr lvl="1"/>
             <a:r>
-              <a:rPr lang="fr-FR" altLang="fr-FR" smtClean="0"/>
+              <a:rPr lang="fr-FR" altLang="fr-FR"/>
               <a:t>Deuxième niveau</a:t>
             </a:r>
           </a:p>
           <a:p>
             <a:pPr lvl="2"/>
             <a:r>
-              <a:rPr lang="fr-FR" altLang="fr-FR" smtClean="0"/>
+              <a:rPr lang="fr-FR" altLang="fr-FR"/>
               <a:t>Troisième niveau</a:t>
             </a:r>
           </a:p>
           <a:p>
             <a:pPr lvl="3"/>
             <a:r>
-              <a:rPr lang="fr-FR" altLang="fr-FR" smtClean="0"/>
+              <a:rPr lang="fr-FR" altLang="fr-FR"/>
               <a:t>Quatrième niveau</a:t>
             </a:r>
           </a:p>
           <a:p>
             <a:pPr lvl="4"/>
             <a:r>
-              <a:rPr lang="fr-FR" altLang="fr-FR" smtClean="0"/>
+              <a:rPr lang="fr-FR" altLang="fr-FR"/>
               <a:t>Cinquième niveau</a:t>
             </a:r>
           </a:p>
@@ -3217,10 +3188,10 @@
               <a:defRPr/>
             </a:pPr>
             <a:r>
-              <a:rPr lang="fr-FR" sz="1200" smtClean="0"/>
+              <a:rPr lang="fr-FR" sz="1200"/>
               <a:t>© Cyril Vincent Conseil</a:t>
             </a:r>
-            <a:endParaRPr lang="fr-FR" smtClean="0">
+            <a:endParaRPr lang="fr-FR">
               <a:latin typeface="Times New Roman" pitchFamily="18" charset="0"/>
             </a:endParaRPr>
           </a:p>
@@ -3702,7 +3673,7 @@
           <a:p>
             <a:pPr eaLnBrk="1" hangingPunct="1"/>
             <a:r>
-              <a:rPr lang="fr-FR" altLang="fr-FR" dirty="0" smtClean="0"/>
+              <a:rPr lang="fr-FR" altLang="fr-FR" dirty="0"/>
               <a:t>Chapitre 7</a:t>
             </a:r>
           </a:p>
@@ -3755,10 +3726,9 @@
           <a:lstStyle/>
           <a:p>
             <a:r>
-              <a:rPr lang="fr-FR" sz="3600" dirty="0" smtClean="0"/>
+              <a:rPr lang="fr-FR" sz="3600" dirty="0"/>
               <a:t>Data Science</a:t>
             </a:r>
-            <a:endParaRPr lang="fr-FR" sz="3600" dirty="0"/>
           </a:p>
         </p:txBody>
       </p:sp>
@@ -3787,911 +3757,6 @@
         </p:spPr>
       </p:pic>
     </p:spTree>
-  </p:cSld>
-  <p:clrMapOvr>
-    <a:masterClrMapping/>
-  </p:clrMapOvr>
-  <p:timing>
-    <p:tnLst>
-      <p:par>
-        <p:cTn id="1" dur="indefinite" restart="never" nodeType="tmRoot"/>
-      </p:par>
-    </p:tnLst>
-  </p:timing>
-</p:sld>
-</file>
-
-<file path=ppt/slides/slide10.xml><?xml version="1.0" encoding="utf-8"?>
-<p:sld xmlns:a="http://schemas.openxmlformats.org/drawingml/2006/main" xmlns:r="http://schemas.openxmlformats.org/officeDocument/2006/relationships" xmlns:p="http://schemas.openxmlformats.org/presentationml/2006/main">
-  <p:cSld>
-    <p:spTree>
-      <p:nvGrpSpPr>
-        <p:cNvPr id="1" name=""/>
-        <p:cNvGrpSpPr/>
-        <p:nvPr/>
-      </p:nvGrpSpPr>
-      <p:grpSpPr>
-        <a:xfrm>
-          <a:off x="0" y="0"/>
-          <a:ext cx="0" cy="0"/>
-          <a:chOff x="0" y="0"/>
-          <a:chExt cx="0" cy="0"/>
-        </a:xfrm>
-      </p:grpSpPr>
-      <p:sp>
-        <p:nvSpPr>
-          <p:cNvPr id="2" name="Titre 1"/>
-          <p:cNvSpPr>
-            <a:spLocks noGrp="1"/>
-          </p:cNvSpPr>
-          <p:nvPr>
-            <p:ph type="title"/>
-          </p:nvPr>
-        </p:nvSpPr>
-        <p:spPr/>
-        <p:txBody>
-          <a:bodyPr/>
-          <a:lstStyle/>
-          <a:p>
-            <a:r>
-              <a:rPr lang="fr-FR" dirty="0" err="1" smtClean="0"/>
-              <a:t>Metrics</a:t>
-            </a:r>
-            <a:endParaRPr lang="fr-FR" dirty="0"/>
-          </a:p>
-        </p:txBody>
-      </p:sp>
-      <p:sp>
-        <p:nvSpPr>
-          <p:cNvPr id="3" name="Espace réservé du contenu 2"/>
-          <p:cNvSpPr>
-            <a:spLocks noGrp="1"/>
-          </p:cNvSpPr>
-          <p:nvPr>
-            <p:ph idx="1"/>
-          </p:nvPr>
-        </p:nvSpPr>
-        <p:spPr/>
-        <p:txBody>
-          <a:bodyPr/>
-          <a:lstStyle/>
-          <a:p>
-            <a:r>
-              <a:rPr lang="fr-FR" dirty="0" smtClean="0"/>
-              <a:t>Il est possible de calculer automatiquement l’erreur quadratique avec </a:t>
-            </a:r>
-            <a:r>
-              <a:rPr lang="fr-FR" dirty="0" err="1" smtClean="0"/>
-              <a:t>Metrics</a:t>
-            </a:r>
-            <a:endParaRPr lang="fr-FR" dirty="0" smtClean="0"/>
-          </a:p>
-          <a:p>
-            <a:pPr lvl="1"/>
-            <a:r>
-              <a:rPr lang="fr-FR" dirty="0"/>
-              <a:t>import </a:t>
-            </a:r>
-            <a:r>
-              <a:rPr lang="fr-FR" dirty="0" err="1"/>
-              <a:t>sklearn.metrics</a:t>
-            </a:r>
-            <a:r>
-              <a:rPr lang="fr-FR" dirty="0"/>
-              <a:t> as m</a:t>
-            </a:r>
-            <a:endParaRPr lang="fr-FR" dirty="0" smtClean="0"/>
-          </a:p>
-          <a:p>
-            <a:pPr lvl="1"/>
-            <a:r>
-              <a:rPr lang="fr-FR" dirty="0" err="1" smtClean="0"/>
-              <a:t>m.mean_squared_error</a:t>
-            </a:r>
-            <a:r>
-              <a:rPr lang="fr-FR" dirty="0" smtClean="0"/>
-              <a:t>(</a:t>
-            </a:r>
-            <a:r>
-              <a:rPr lang="fr-FR" dirty="0" err="1" smtClean="0"/>
-              <a:t>regr.predict</a:t>
-            </a:r>
-            <a:r>
-              <a:rPr lang="fr-FR" dirty="0" smtClean="0"/>
-              <a:t>(</a:t>
-            </a:r>
-            <a:r>
-              <a:rPr lang="fr-FR" dirty="0" err="1" smtClean="0"/>
-              <a:t>xtest</a:t>
-            </a:r>
-            <a:r>
-              <a:rPr lang="fr-FR" dirty="0"/>
-              <a:t>), </a:t>
-            </a:r>
-            <a:r>
-              <a:rPr lang="fr-FR" dirty="0" err="1"/>
-              <a:t>ytest</a:t>
-            </a:r>
-            <a:r>
-              <a:rPr lang="fr-FR" dirty="0" smtClean="0"/>
-              <a:t>)</a:t>
-            </a:r>
-          </a:p>
-          <a:p>
-            <a:pPr lvl="1"/>
-            <a:r>
-              <a:rPr lang="fr-FR" dirty="0" smtClean="0"/>
-              <a:t># A minimiser</a:t>
-            </a:r>
-            <a:endParaRPr lang="fr-FR" dirty="0"/>
-          </a:p>
-        </p:txBody>
-      </p:sp>
-    </p:spTree>
-    <p:extLst>
-      <p:ext uri="{BB962C8B-B14F-4D97-AF65-F5344CB8AC3E}">
-        <p14:creationId xmlns:p14="http://schemas.microsoft.com/office/powerpoint/2010/main" val="700905033"/>
-      </p:ext>
-    </p:extLst>
-  </p:cSld>
-  <p:clrMapOvr>
-    <a:masterClrMapping/>
-  </p:clrMapOvr>
-</p:sld>
-</file>
-
-<file path=ppt/slides/slide11.xml><?xml version="1.0" encoding="utf-8"?>
-<p:sld xmlns:a="http://schemas.openxmlformats.org/drawingml/2006/main" xmlns:r="http://schemas.openxmlformats.org/officeDocument/2006/relationships" xmlns:p="http://schemas.openxmlformats.org/presentationml/2006/main">
-  <p:cSld>
-    <p:spTree>
-      <p:nvGrpSpPr>
-        <p:cNvPr id="1" name=""/>
-        <p:cNvGrpSpPr/>
-        <p:nvPr/>
-      </p:nvGrpSpPr>
-      <p:grpSpPr>
-        <a:xfrm>
-          <a:off x="0" y="0"/>
-          <a:ext cx="0" cy="0"/>
-          <a:chOff x="0" y="0"/>
-          <a:chExt cx="0" cy="0"/>
-        </a:xfrm>
-      </p:grpSpPr>
-      <p:sp>
-        <p:nvSpPr>
-          <p:cNvPr id="2" name="Titre 1"/>
-          <p:cNvSpPr>
-            <a:spLocks noGrp="1"/>
-          </p:cNvSpPr>
-          <p:nvPr>
-            <p:ph type="title"/>
-          </p:nvPr>
-        </p:nvSpPr>
-        <p:spPr/>
-        <p:txBody>
-          <a:bodyPr/>
-          <a:lstStyle/>
-          <a:p>
-            <a:r>
-              <a:rPr lang="fr-FR" dirty="0" smtClean="0"/>
-              <a:t>Régression polynomiale</a:t>
-            </a:r>
-            <a:endParaRPr lang="fr-FR" dirty="0"/>
-          </a:p>
-        </p:txBody>
-      </p:sp>
-      <p:sp>
-        <p:nvSpPr>
-          <p:cNvPr id="3" name="Espace réservé du contenu 2"/>
-          <p:cNvSpPr>
-            <a:spLocks noGrp="1"/>
-          </p:cNvSpPr>
-          <p:nvPr>
-            <p:ph idx="1"/>
-          </p:nvPr>
-        </p:nvSpPr>
-        <p:spPr/>
-        <p:txBody>
-          <a:bodyPr/>
-          <a:lstStyle/>
-          <a:p>
-            <a:r>
-              <a:rPr lang="fr-FR" dirty="0" err="1" smtClean="0"/>
-              <a:t>Sklearn</a:t>
-            </a:r>
-            <a:r>
-              <a:rPr lang="fr-FR" dirty="0" smtClean="0"/>
-              <a:t> effectue des régressions polynomiale</a:t>
-            </a:r>
-            <a:endParaRPr lang="fr-FR" dirty="0"/>
-          </a:p>
-        </p:txBody>
-      </p:sp>
-      <p:pic>
-        <p:nvPicPr>
-          <p:cNvPr id="4098" name="Picture 2" descr="../../_images/sphx_glr_plot_polynomial_interpolation_001.png"/>
-          <p:cNvPicPr>
-            <a:picLocks noChangeAspect="1" noChangeArrowheads="1"/>
-          </p:cNvPicPr>
-          <p:nvPr/>
-        </p:nvPicPr>
-        <p:blipFill>
-          <a:blip r:embed="rId2">
-            <a:extLst>
-              <a:ext uri="{28A0092B-C50C-407E-A947-70E740481C1C}">
-                <a14:useLocalDpi xmlns:a14="http://schemas.microsoft.com/office/drawing/2010/main" val="0"/>
-              </a:ext>
-            </a:extLst>
-          </a:blip>
-          <a:srcRect/>
-          <a:stretch>
-            <a:fillRect/>
-          </a:stretch>
-        </p:blipFill>
-        <p:spPr bwMode="auto">
-          <a:xfrm>
-            <a:off x="1835696" y="1877210"/>
-            <a:ext cx="6096000" cy="4572000"/>
-          </a:xfrm>
-          <a:prstGeom prst="rect">
-            <a:avLst/>
-          </a:prstGeom>
-          <a:noFill/>
-          <a:extLst>
-            <a:ext uri="{909E8E84-426E-40DD-AFC4-6F175D3DCCD1}">
-              <a14:hiddenFill xmlns:a14="http://schemas.microsoft.com/office/drawing/2010/main">
-                <a:solidFill>
-                  <a:srgbClr val="FFFFFF"/>
-                </a:solidFill>
-              </a14:hiddenFill>
-            </a:ext>
-          </a:extLst>
-        </p:spPr>
-      </p:pic>
-    </p:spTree>
-    <p:extLst>
-      <p:ext uri="{BB962C8B-B14F-4D97-AF65-F5344CB8AC3E}">
-        <p14:creationId xmlns:p14="http://schemas.microsoft.com/office/powerpoint/2010/main" val="3848354943"/>
-      </p:ext>
-    </p:extLst>
-  </p:cSld>
-  <p:clrMapOvr>
-    <a:masterClrMapping/>
-  </p:clrMapOvr>
-</p:sld>
-</file>
-
-<file path=ppt/slides/slide12.xml><?xml version="1.0" encoding="utf-8"?>
-<p:sld xmlns:a="http://schemas.openxmlformats.org/drawingml/2006/main" xmlns:r="http://schemas.openxmlformats.org/officeDocument/2006/relationships" xmlns:p="http://schemas.openxmlformats.org/presentationml/2006/main">
-  <p:cSld>
-    <p:spTree>
-      <p:nvGrpSpPr>
-        <p:cNvPr id="1" name=""/>
-        <p:cNvGrpSpPr/>
-        <p:nvPr/>
-      </p:nvGrpSpPr>
-      <p:grpSpPr>
-        <a:xfrm>
-          <a:off x="0" y="0"/>
-          <a:ext cx="0" cy="0"/>
-          <a:chOff x="0" y="0"/>
-          <a:chExt cx="0" cy="0"/>
-        </a:xfrm>
-      </p:grpSpPr>
-      <p:sp>
-        <p:nvSpPr>
-          <p:cNvPr id="2" name="Titre 1"/>
-          <p:cNvSpPr>
-            <a:spLocks noGrp="1"/>
-          </p:cNvSpPr>
-          <p:nvPr>
-            <p:ph type="title"/>
-          </p:nvPr>
-        </p:nvSpPr>
-        <p:spPr/>
-        <p:txBody>
-          <a:bodyPr/>
-          <a:lstStyle/>
-          <a:p>
-            <a:r>
-              <a:rPr lang="fr-FR" dirty="0" err="1" smtClean="0"/>
-              <a:t>PreProcessing</a:t>
-            </a:r>
-            <a:endParaRPr lang="fr-FR" dirty="0"/>
-          </a:p>
-        </p:txBody>
-      </p:sp>
-      <p:sp>
-        <p:nvSpPr>
-          <p:cNvPr id="3" name="Espace réservé du contenu 2"/>
-          <p:cNvSpPr>
-            <a:spLocks noGrp="1"/>
-          </p:cNvSpPr>
-          <p:nvPr>
-            <p:ph idx="1"/>
-          </p:nvPr>
-        </p:nvSpPr>
-        <p:spPr/>
-        <p:txBody>
-          <a:bodyPr/>
-          <a:lstStyle/>
-          <a:p>
-            <a:r>
-              <a:rPr lang="fr-FR" dirty="0" err="1" smtClean="0"/>
-              <a:t>Preprocessing</a:t>
-            </a:r>
-            <a:r>
-              <a:rPr lang="fr-FR" dirty="0" smtClean="0"/>
-              <a:t> contient des </a:t>
-            </a:r>
-            <a:r>
-              <a:rPr lang="fr-FR" dirty="0" err="1" smtClean="0"/>
-              <a:t>Features</a:t>
-            </a:r>
-            <a:r>
-              <a:rPr lang="fr-FR" dirty="0" smtClean="0"/>
-              <a:t> qui sont des algorithmes de modèles pré-calculés</a:t>
-            </a:r>
-          </a:p>
-          <a:p>
-            <a:r>
-              <a:rPr lang="fr-FR" dirty="0" smtClean="0"/>
-              <a:t>Il en existe des centaines</a:t>
-            </a:r>
-          </a:p>
-          <a:p>
-            <a:r>
-              <a:rPr lang="fr-FR" dirty="0"/>
-              <a:t>import </a:t>
-            </a:r>
-            <a:r>
-              <a:rPr lang="fr-FR" dirty="0" err="1"/>
-              <a:t>sklearn.preprocessing</a:t>
-            </a:r>
-            <a:r>
-              <a:rPr lang="fr-FR" dirty="0"/>
-              <a:t> as </a:t>
-            </a:r>
-            <a:r>
-              <a:rPr lang="fr-FR" dirty="0" smtClean="0"/>
-              <a:t>pp</a:t>
-            </a:r>
-          </a:p>
-          <a:p>
-            <a:r>
-              <a:rPr lang="fr-FR" dirty="0" err="1"/>
-              <a:t>pp.PolynomialFeatures</a:t>
-            </a:r>
-            <a:r>
-              <a:rPr lang="fr-FR" dirty="0"/>
-              <a:t>(2)</a:t>
-            </a:r>
-            <a:endParaRPr lang="fr-FR" dirty="0" smtClean="0"/>
-          </a:p>
-          <a:p>
-            <a:endParaRPr lang="fr-FR" dirty="0"/>
-          </a:p>
-        </p:txBody>
-      </p:sp>
-    </p:spTree>
-    <p:extLst>
-      <p:ext uri="{BB962C8B-B14F-4D97-AF65-F5344CB8AC3E}">
-        <p14:creationId xmlns:p14="http://schemas.microsoft.com/office/powerpoint/2010/main" val="1233238204"/>
-      </p:ext>
-    </p:extLst>
-  </p:cSld>
-  <p:clrMapOvr>
-    <a:masterClrMapping/>
-  </p:clrMapOvr>
-</p:sld>
-</file>
-
-<file path=ppt/slides/slide13.xml><?xml version="1.0" encoding="utf-8"?>
-<p:sld xmlns:a="http://schemas.openxmlformats.org/drawingml/2006/main" xmlns:r="http://schemas.openxmlformats.org/officeDocument/2006/relationships" xmlns:p="http://schemas.openxmlformats.org/presentationml/2006/main">
-  <p:cSld>
-    <p:spTree>
-      <p:nvGrpSpPr>
-        <p:cNvPr id="1" name=""/>
-        <p:cNvGrpSpPr/>
-        <p:nvPr/>
-      </p:nvGrpSpPr>
-      <p:grpSpPr>
-        <a:xfrm>
-          <a:off x="0" y="0"/>
-          <a:ext cx="0" cy="0"/>
-          <a:chOff x="0" y="0"/>
-          <a:chExt cx="0" cy="0"/>
-        </a:xfrm>
-      </p:grpSpPr>
-      <p:sp>
-        <p:nvSpPr>
-          <p:cNvPr id="2" name="Titre 1"/>
-          <p:cNvSpPr>
-            <a:spLocks noGrp="1"/>
-          </p:cNvSpPr>
-          <p:nvPr>
-            <p:ph type="title"/>
-          </p:nvPr>
-        </p:nvSpPr>
-        <p:spPr/>
-        <p:txBody>
-          <a:bodyPr/>
-          <a:lstStyle/>
-          <a:p>
-            <a:r>
-              <a:rPr lang="fr-FR" dirty="0" smtClean="0"/>
-              <a:t>Pipeline</a:t>
-            </a:r>
-            <a:endParaRPr lang="fr-FR" dirty="0"/>
-          </a:p>
-        </p:txBody>
-      </p:sp>
-      <p:sp>
-        <p:nvSpPr>
-          <p:cNvPr id="3" name="Espace réservé du contenu 2"/>
-          <p:cNvSpPr>
-            <a:spLocks noGrp="1"/>
-          </p:cNvSpPr>
-          <p:nvPr>
-            <p:ph idx="1"/>
-          </p:nvPr>
-        </p:nvSpPr>
-        <p:spPr/>
-        <p:txBody>
-          <a:bodyPr/>
-          <a:lstStyle/>
-          <a:p>
-            <a:r>
-              <a:rPr lang="fr-FR" dirty="0" smtClean="0"/>
-              <a:t>Pipeline permet de créer des modèles avec des </a:t>
-            </a:r>
-            <a:r>
-              <a:rPr lang="fr-FR" dirty="0" err="1" smtClean="0"/>
-              <a:t>features</a:t>
-            </a:r>
-            <a:r>
-              <a:rPr lang="fr-FR" dirty="0" smtClean="0"/>
-              <a:t> et des calculs d’erreurs paramétrables</a:t>
-            </a:r>
-          </a:p>
-          <a:p>
-            <a:r>
-              <a:rPr lang="fr-FR" dirty="0"/>
-              <a:t>import </a:t>
-            </a:r>
-            <a:r>
-              <a:rPr lang="fr-FR" dirty="0" err="1"/>
-              <a:t>sklearn.pipeline</a:t>
-            </a:r>
-            <a:r>
-              <a:rPr lang="fr-FR" dirty="0"/>
-              <a:t> as </a:t>
-            </a:r>
-            <a:r>
-              <a:rPr lang="fr-FR" dirty="0" smtClean="0"/>
-              <a:t>pipe</a:t>
-            </a:r>
-          </a:p>
-          <a:p>
-            <a:r>
-              <a:rPr lang="fr-FR" dirty="0" err="1" smtClean="0"/>
-              <a:t>pipe.make_pipeline</a:t>
-            </a:r>
-            <a:r>
-              <a:rPr lang="fr-FR" dirty="0" smtClean="0"/>
-              <a:t>(</a:t>
-            </a:r>
-            <a:r>
-              <a:rPr lang="fr-FR" dirty="0" err="1" smtClean="0"/>
-              <a:t>pp.PolynomialFeatures</a:t>
-            </a:r>
-            <a:r>
-              <a:rPr lang="fr-FR" dirty="0" smtClean="0"/>
-              <a:t>(2</a:t>
-            </a:r>
-            <a:r>
-              <a:rPr lang="fr-FR" dirty="0"/>
-              <a:t>), </a:t>
-            </a:r>
-            <a:r>
-              <a:rPr lang="fr-FR" dirty="0" err="1"/>
-              <a:t>sklm.Ridge</a:t>
-            </a:r>
-            <a:r>
-              <a:rPr lang="fr-FR" dirty="0" smtClean="0"/>
-              <a:t>())</a:t>
-            </a:r>
-          </a:p>
-          <a:p>
-            <a:pPr lvl="1"/>
-            <a:r>
-              <a:rPr lang="fr-FR" dirty="0" smtClean="0"/>
-              <a:t>Ridge est l’algorithme de calcul de l’erreur quadratique</a:t>
-            </a:r>
-          </a:p>
-          <a:p>
-            <a:pPr lvl="1"/>
-            <a:r>
-              <a:rPr lang="fr-FR" dirty="0"/>
-              <a:t>model = </a:t>
-            </a:r>
-            <a:r>
-              <a:rPr lang="fr-FR" dirty="0" err="1"/>
-              <a:t>pp.make_pipeline</a:t>
-            </a:r>
-            <a:r>
-              <a:rPr lang="fr-FR" dirty="0"/>
-              <a:t>(</a:t>
-            </a:r>
-            <a:r>
-              <a:rPr lang="fr-FR" dirty="0" err="1"/>
-              <a:t>pipe.PolynomialFeatures</a:t>
-            </a:r>
-            <a:r>
-              <a:rPr lang="fr-FR" dirty="0"/>
-              <a:t>(1), </a:t>
-            </a:r>
-            <a:r>
-              <a:rPr lang="fr-FR" dirty="0" err="1"/>
-              <a:t>sklm.Ridge</a:t>
-            </a:r>
-            <a:r>
-              <a:rPr lang="fr-FR" dirty="0" smtClean="0"/>
-              <a:t>()) # est identique à </a:t>
-            </a:r>
-            <a:r>
-              <a:rPr lang="fr-FR" dirty="0" err="1" smtClean="0"/>
-              <a:t>LinearRegression</a:t>
-            </a:r>
-            <a:endParaRPr lang="fr-FR" dirty="0"/>
-          </a:p>
-        </p:txBody>
-      </p:sp>
-    </p:spTree>
-    <p:extLst>
-      <p:ext uri="{BB962C8B-B14F-4D97-AF65-F5344CB8AC3E}">
-        <p14:creationId xmlns:p14="http://schemas.microsoft.com/office/powerpoint/2010/main" val="1835056303"/>
-      </p:ext>
-    </p:extLst>
-  </p:cSld>
-  <p:clrMapOvr>
-    <a:masterClrMapping/>
-  </p:clrMapOvr>
-</p:sld>
-</file>
-
-<file path=ppt/slides/slide14.xml><?xml version="1.0" encoding="utf-8"?>
-<p:sld xmlns:a="http://schemas.openxmlformats.org/drawingml/2006/main" xmlns:r="http://schemas.openxmlformats.org/officeDocument/2006/relationships" xmlns:p="http://schemas.openxmlformats.org/presentationml/2006/main">
-  <p:cSld>
-    <p:spTree>
-      <p:nvGrpSpPr>
-        <p:cNvPr id="1" name=""/>
-        <p:cNvGrpSpPr/>
-        <p:nvPr/>
-      </p:nvGrpSpPr>
-      <p:grpSpPr>
-        <a:xfrm>
-          <a:off x="0" y="0"/>
-          <a:ext cx="0" cy="0"/>
-          <a:chOff x="0" y="0"/>
-          <a:chExt cx="0" cy="0"/>
-        </a:xfrm>
-      </p:grpSpPr>
-      <p:sp>
-        <p:nvSpPr>
-          <p:cNvPr id="2" name="Titre 1"/>
-          <p:cNvSpPr>
-            <a:spLocks noGrp="1"/>
-          </p:cNvSpPr>
-          <p:nvPr>
-            <p:ph type="title"/>
-          </p:nvPr>
-        </p:nvSpPr>
-        <p:spPr/>
-        <p:txBody>
-          <a:bodyPr/>
-          <a:lstStyle/>
-          <a:p>
-            <a:r>
-              <a:rPr lang="fr-FR" dirty="0" smtClean="0"/>
-              <a:t>Interprétation</a:t>
-            </a:r>
-            <a:endParaRPr lang="fr-FR" dirty="0"/>
-          </a:p>
-        </p:txBody>
-      </p:sp>
-      <p:sp>
-        <p:nvSpPr>
-          <p:cNvPr id="3" name="Espace réservé du contenu 2"/>
-          <p:cNvSpPr>
-            <a:spLocks noGrp="1"/>
-          </p:cNvSpPr>
-          <p:nvPr>
-            <p:ph idx="1"/>
-          </p:nvPr>
-        </p:nvSpPr>
-        <p:spPr/>
-        <p:txBody>
-          <a:bodyPr/>
-          <a:lstStyle/>
-          <a:p>
-            <a:r>
-              <a:rPr lang="fr-FR" dirty="0" smtClean="0"/>
-              <a:t>Polynôme degré 4</a:t>
-            </a:r>
-          </a:p>
-          <a:p>
-            <a:pPr lvl="1"/>
-            <a:r>
-              <a:rPr lang="fr-FR" dirty="0" smtClean="0"/>
-              <a:t>Erreur 61%</a:t>
-            </a:r>
-          </a:p>
-          <a:p>
-            <a:endParaRPr lang="fr-FR" dirty="0"/>
-          </a:p>
-          <a:p>
-            <a:endParaRPr lang="fr-FR" dirty="0" smtClean="0"/>
-          </a:p>
-          <a:p>
-            <a:endParaRPr lang="fr-FR" dirty="0"/>
-          </a:p>
-          <a:p>
-            <a:endParaRPr lang="fr-FR" dirty="0" smtClean="0"/>
-          </a:p>
-          <a:p>
-            <a:r>
-              <a:rPr lang="fr-FR" smtClean="0"/>
-              <a:t>Polynôme </a:t>
-            </a:r>
-            <a:r>
-              <a:rPr lang="fr-FR" dirty="0" smtClean="0"/>
-              <a:t>degré 6</a:t>
-            </a:r>
-            <a:endParaRPr lang="fr-FR" dirty="0"/>
-          </a:p>
-          <a:p>
-            <a:pPr lvl="1"/>
-            <a:r>
-              <a:rPr lang="fr-FR" dirty="0" smtClean="0"/>
-              <a:t>Erreur 3%</a:t>
-            </a:r>
-            <a:endParaRPr lang="fr-FR" dirty="0"/>
-          </a:p>
-        </p:txBody>
-      </p:sp>
-      <p:pic>
-        <p:nvPicPr>
-          <p:cNvPr id="4" name="Image 3"/>
-          <p:cNvPicPr>
-            <a:picLocks noChangeAspect="1"/>
-          </p:cNvPicPr>
-          <p:nvPr/>
-        </p:nvPicPr>
-        <p:blipFill>
-          <a:blip r:embed="rId2"/>
-          <a:stretch>
-            <a:fillRect/>
-          </a:stretch>
-        </p:blipFill>
-        <p:spPr>
-          <a:xfrm>
-            <a:off x="4562537" y="1142204"/>
-            <a:ext cx="3521137" cy="2739380"/>
-          </a:xfrm>
-          <a:prstGeom prst="rect">
-            <a:avLst/>
-          </a:prstGeom>
-        </p:spPr>
-      </p:pic>
-      <p:pic>
-        <p:nvPicPr>
-          <p:cNvPr id="5" name="Image 4"/>
-          <p:cNvPicPr>
-            <a:picLocks noChangeAspect="1"/>
-          </p:cNvPicPr>
-          <p:nvPr/>
-        </p:nvPicPr>
-        <p:blipFill>
-          <a:blip r:embed="rId3"/>
-          <a:stretch>
-            <a:fillRect/>
-          </a:stretch>
-        </p:blipFill>
-        <p:spPr>
-          <a:xfrm>
-            <a:off x="4562536" y="3881584"/>
-            <a:ext cx="3521137" cy="2718525"/>
-          </a:xfrm>
-          <a:prstGeom prst="rect">
-            <a:avLst/>
-          </a:prstGeom>
-        </p:spPr>
-      </p:pic>
-    </p:spTree>
-    <p:extLst>
-      <p:ext uri="{BB962C8B-B14F-4D97-AF65-F5344CB8AC3E}">
-        <p14:creationId xmlns:p14="http://schemas.microsoft.com/office/powerpoint/2010/main" val="3012124197"/>
-      </p:ext>
-    </p:extLst>
-  </p:cSld>
-  <p:clrMapOvr>
-    <a:masterClrMapping/>
-  </p:clrMapOvr>
-</p:sld>
-</file>
-
-<file path=ppt/slides/slide15.xml><?xml version="1.0" encoding="utf-8"?>
-<p:sld xmlns:a="http://schemas.openxmlformats.org/drawingml/2006/main" xmlns:r="http://schemas.openxmlformats.org/officeDocument/2006/relationships" xmlns:p="http://schemas.openxmlformats.org/presentationml/2006/main">
-  <p:cSld>
-    <p:spTree>
-      <p:nvGrpSpPr>
-        <p:cNvPr id="1" name=""/>
-        <p:cNvGrpSpPr/>
-        <p:nvPr/>
-      </p:nvGrpSpPr>
-      <p:grpSpPr>
-        <a:xfrm>
-          <a:off x="0" y="0"/>
-          <a:ext cx="0" cy="0"/>
-          <a:chOff x="0" y="0"/>
-          <a:chExt cx="0" cy="0"/>
-        </a:xfrm>
-      </p:grpSpPr>
-      <p:sp>
-        <p:nvSpPr>
-          <p:cNvPr id="2" name="Titre 1"/>
-          <p:cNvSpPr>
-            <a:spLocks noGrp="1"/>
-          </p:cNvSpPr>
-          <p:nvPr>
-            <p:ph type="title"/>
-          </p:nvPr>
-        </p:nvSpPr>
-        <p:spPr/>
-        <p:txBody>
-          <a:bodyPr/>
-          <a:lstStyle/>
-          <a:p>
-            <a:r>
-              <a:rPr lang="fr-FR" dirty="0" smtClean="0"/>
-              <a:t>Régression non-polynomiale</a:t>
-            </a:r>
-            <a:endParaRPr lang="fr-FR" dirty="0"/>
-          </a:p>
-        </p:txBody>
-      </p:sp>
-      <p:sp>
-        <p:nvSpPr>
-          <p:cNvPr id="3" name="Espace réservé du contenu 2"/>
-          <p:cNvSpPr>
-            <a:spLocks noGrp="1"/>
-          </p:cNvSpPr>
-          <p:nvPr>
-            <p:ph idx="1"/>
-          </p:nvPr>
-        </p:nvSpPr>
-        <p:spPr/>
-        <p:txBody>
-          <a:bodyPr/>
-          <a:lstStyle/>
-          <a:p>
-            <a:r>
-              <a:rPr lang="fr-FR" dirty="0" smtClean="0"/>
-              <a:t>Il est possible d’appliquer n’importe quelle régression</a:t>
-            </a:r>
-          </a:p>
-          <a:p>
-            <a:pPr lvl="1"/>
-            <a:r>
-              <a:rPr lang="fr-FR" dirty="0" smtClean="0"/>
-              <a:t>A partir d’une fonction </a:t>
-            </a:r>
-            <a:r>
-              <a:rPr lang="fr-FR" smtClean="0"/>
-              <a:t>np</a:t>
-            </a:r>
-            <a:endParaRPr lang="fr-FR" dirty="0" smtClean="0"/>
-          </a:p>
-          <a:p>
-            <a:r>
-              <a:rPr lang="fr-FR" dirty="0" err="1" smtClean="0"/>
-              <a:t>pp.FunctionTransformer</a:t>
-            </a:r>
-            <a:r>
-              <a:rPr lang="fr-FR" dirty="0" smtClean="0"/>
-              <a:t>(</a:t>
-            </a:r>
-            <a:r>
-              <a:rPr lang="fr-FR" dirty="0" err="1" smtClean="0"/>
-              <a:t>function</a:t>
-            </a:r>
-            <a:r>
-              <a:rPr lang="fr-FR" dirty="0" smtClean="0"/>
-              <a:t>)</a:t>
-            </a:r>
-          </a:p>
-          <a:p>
-            <a:pPr lvl="1"/>
-            <a:r>
-              <a:rPr lang="fr-FR" dirty="0" smtClean="0"/>
-              <a:t>Par exemple </a:t>
-            </a:r>
-            <a:r>
-              <a:rPr lang="fr-FR" dirty="0" err="1" smtClean="0"/>
-              <a:t>pp.FunctionTransformer</a:t>
-            </a:r>
-            <a:r>
-              <a:rPr lang="fr-FR" dirty="0" smtClean="0"/>
-              <a:t>(np.log1p)</a:t>
-            </a:r>
-          </a:p>
-          <a:p>
-            <a:pPr lvl="1"/>
-            <a:r>
-              <a:rPr lang="fr-FR" dirty="0" smtClean="0"/>
-              <a:t>Logarithme népérien</a:t>
-            </a:r>
-          </a:p>
-          <a:p>
-            <a:r>
-              <a:rPr lang="fr-FR" dirty="0" smtClean="0"/>
-              <a:t>Exemple de modèle </a:t>
-            </a:r>
-            <a:r>
-              <a:rPr lang="fr-FR" dirty="0" err="1" smtClean="0"/>
-              <a:t>sinusoide</a:t>
-            </a:r>
-            <a:endParaRPr lang="fr-FR" dirty="0" smtClean="0"/>
-          </a:p>
-          <a:p>
-            <a:pPr lvl="1"/>
-            <a:r>
-              <a:rPr lang="fr-FR" dirty="0" err="1"/>
-              <a:t>pipe.make_pipeline</a:t>
-            </a:r>
-            <a:r>
-              <a:rPr lang="fr-FR" dirty="0"/>
-              <a:t>(</a:t>
-            </a:r>
-            <a:r>
-              <a:rPr lang="fr-FR" dirty="0" err="1"/>
-              <a:t>pp.FunctionTransformer</a:t>
-            </a:r>
-            <a:r>
-              <a:rPr lang="fr-FR" dirty="0"/>
-              <a:t>(</a:t>
-            </a:r>
-            <a:r>
-              <a:rPr lang="fr-FR" dirty="0" err="1"/>
-              <a:t>np.sin</a:t>
-            </a:r>
-            <a:r>
-              <a:rPr lang="fr-FR" dirty="0"/>
-              <a:t>), </a:t>
-            </a:r>
-            <a:r>
-              <a:rPr lang="fr-FR" dirty="0" err="1"/>
-              <a:t>sklm.Ridge</a:t>
-            </a:r>
-            <a:r>
-              <a:rPr lang="fr-FR" dirty="0"/>
-              <a:t>())</a:t>
-            </a:r>
-            <a:endParaRPr lang="fr-FR" dirty="0" smtClean="0"/>
-          </a:p>
-          <a:p>
-            <a:pPr lvl="1"/>
-            <a:endParaRPr lang="fr-FR" dirty="0"/>
-          </a:p>
-        </p:txBody>
-      </p:sp>
-    </p:spTree>
-    <p:extLst>
-      <p:ext uri="{BB962C8B-B14F-4D97-AF65-F5344CB8AC3E}">
-        <p14:creationId xmlns:p14="http://schemas.microsoft.com/office/powerpoint/2010/main" val="2969664620"/>
-      </p:ext>
-    </p:extLst>
   </p:cSld>
   <p:clrMapOvr>
     <a:masterClrMapping/>
@@ -4751,75 +3816,75 @@
           <a:lstStyle/>
           <a:p>
             <a:r>
-              <a:rPr lang="fr-FR" dirty="0" err="1" smtClean="0"/>
+              <a:rPr lang="fr-FR" dirty="0" err="1"/>
               <a:t>Scikit-learn</a:t>
             </a:r>
             <a:r>
-              <a:rPr lang="fr-FR" dirty="0" smtClean="0"/>
+              <a:rPr lang="fr-FR" dirty="0"/>
               <a:t> est le package de machine </a:t>
             </a:r>
             <a:r>
-              <a:rPr lang="fr-FR" dirty="0" err="1" smtClean="0"/>
+              <a:rPr lang="fr-FR" dirty="0" err="1"/>
               <a:t>learning</a:t>
             </a:r>
             <a:r>
-              <a:rPr lang="fr-FR" dirty="0" smtClean="0"/>
+              <a:rPr lang="fr-FR" dirty="0"/>
               <a:t> Python</a:t>
             </a:r>
           </a:p>
           <a:p>
             <a:pPr lvl="1"/>
             <a:r>
-              <a:rPr lang="fr-FR" dirty="0" smtClean="0"/>
+              <a:rPr lang="fr-FR" dirty="0"/>
               <a:t>Catégorisation</a:t>
             </a:r>
           </a:p>
           <a:p>
             <a:pPr lvl="1"/>
             <a:r>
-              <a:rPr lang="fr-FR" dirty="0" smtClean="0"/>
+              <a:rPr lang="fr-FR" dirty="0"/>
               <a:t>Régression</a:t>
             </a:r>
           </a:p>
           <a:p>
             <a:pPr lvl="1"/>
             <a:r>
-              <a:rPr lang="fr-FR" dirty="0" err="1" smtClean="0"/>
+              <a:rPr lang="fr-FR" dirty="0" err="1"/>
               <a:t>Clusterisation</a:t>
             </a:r>
             <a:r>
-              <a:rPr lang="fr-FR" dirty="0" smtClean="0"/>
+              <a:rPr lang="fr-FR" dirty="0"/>
               <a:t> (regroupement)</a:t>
             </a:r>
           </a:p>
           <a:p>
             <a:pPr lvl="1"/>
             <a:r>
-              <a:rPr lang="fr-FR" dirty="0" smtClean="0"/>
+              <a:rPr lang="fr-FR" dirty="0"/>
               <a:t>Réduction de dimension</a:t>
             </a:r>
           </a:p>
           <a:p>
             <a:pPr lvl="1"/>
             <a:r>
-              <a:rPr lang="fr-FR" dirty="0" smtClean="0"/>
+              <a:rPr lang="fr-FR" dirty="0"/>
               <a:t>Sélection de modèle</a:t>
             </a:r>
           </a:p>
           <a:p>
             <a:pPr lvl="1"/>
             <a:r>
-              <a:rPr lang="fr-FR" dirty="0" err="1" smtClean="0"/>
+              <a:rPr lang="fr-FR" dirty="0" err="1"/>
               <a:t>Preprocessing</a:t>
             </a:r>
             <a:r>
-              <a:rPr lang="fr-FR" dirty="0" smtClean="0"/>
+              <a:rPr lang="fr-FR" dirty="0"/>
               <a:t> (Filtrage, Randomisation)</a:t>
             </a:r>
           </a:p>
           <a:p>
             <a:pPr lvl="1"/>
-            <a:endParaRPr lang="fr-FR" dirty="0" smtClean="0"/>
+            <a:endParaRPr lang="fr-FR" dirty="0"/>
           </a:p>
           <a:p>
             <a:pPr lvl="1"/>
@@ -4902,13 +3967,6 @@
   <p:clrMapOvr>
     <a:masterClrMapping/>
   </p:clrMapOvr>
-  <p:timing>
-    <p:tnLst>
-      <p:par>
-        <p:cTn id="1" dur="indefinite" restart="never" nodeType="tmRoot"/>
-      </p:par>
-    </p:tnLst>
-  </p:timing>
 </p:sld>
 </file>
 
@@ -4945,10 +4003,9 @@
           <a:lstStyle/>
           <a:p>
             <a:r>
-              <a:rPr lang="fr-FR" dirty="0" smtClean="0"/>
+              <a:rPr lang="fr-FR" dirty="0"/>
               <a:t>Régression</a:t>
             </a:r>
-            <a:endParaRPr lang="fr-FR" dirty="0"/>
           </a:p>
         </p:txBody>
       </p:sp>
@@ -4968,85 +4025,84 @@
           <a:lstStyle/>
           <a:p>
             <a:r>
-              <a:rPr lang="fr-FR" dirty="0" smtClean="0"/>
+              <a:rPr lang="fr-FR" dirty="0"/>
               <a:t>Commençons par la régression linéaire</a:t>
             </a:r>
+          </a:p>
+          <a:p>
+            <a:r>
+              <a:rPr lang="fr-FR" dirty="0"/>
+              <a:t>Import </a:t>
+            </a:r>
+            <a:r>
+              <a:rPr lang="fr-FR" dirty="0" err="1"/>
+              <a:t>sklearn.linearmodel</a:t>
+            </a:r>
             <a:endParaRPr lang="fr-FR" dirty="0"/>
           </a:p>
           <a:p>
-            <a:r>
-              <a:rPr lang="fr-FR" dirty="0" smtClean="0"/>
-              <a:t>Import </a:t>
-            </a:r>
-            <a:r>
-              <a:rPr lang="fr-FR" dirty="0" err="1" smtClean="0"/>
-              <a:t>sklearn.linearmodel</a:t>
-            </a:r>
-            <a:endParaRPr lang="fr-FR" dirty="0" smtClean="0"/>
-          </a:p>
-          <a:p>
             <a:pPr lvl="1"/>
             <a:r>
-              <a:rPr lang="fr-FR" dirty="0" smtClean="0"/>
+              <a:rPr lang="fr-FR" dirty="0"/>
               <a:t>Minimisation de l’erreur </a:t>
             </a:r>
             <a:r>
-              <a:rPr lang="fr-FR" dirty="0" err="1" smtClean="0"/>
+              <a:rPr lang="fr-FR" dirty="0" err="1"/>
               <a:t>quadritique</a:t>
             </a:r>
-            <a:endParaRPr lang="fr-FR" dirty="0" smtClean="0"/>
-          </a:p>
-          <a:p>
-            <a:r>
-              <a:rPr lang="fr-FR" dirty="0" smtClean="0"/>
+            <a:endParaRPr lang="fr-FR" dirty="0"/>
+          </a:p>
+          <a:p>
+            <a:r>
+              <a:rPr lang="fr-FR" dirty="0"/>
               <a:t>Classe </a:t>
             </a:r>
             <a:r>
-              <a:rPr lang="fr-FR" dirty="0" err="1" smtClean="0"/>
+              <a:rPr lang="fr-FR" dirty="0" err="1"/>
               <a:t>LinearRegression</a:t>
             </a:r>
-            <a:endParaRPr lang="fr-FR" dirty="0" smtClean="0"/>
-          </a:p>
-          <a:p>
-            <a:r>
-              <a:rPr lang="fr-FR" dirty="0" smtClean="0"/>
+            <a:endParaRPr lang="fr-FR" dirty="0"/>
+          </a:p>
+          <a:p>
+            <a:r>
+              <a:rPr lang="fr-FR" dirty="0"/>
               <a:t>Fit()</a:t>
             </a:r>
           </a:p>
           <a:p>
             <a:pPr lvl="1"/>
             <a:r>
-              <a:rPr lang="fr-FR" dirty="0" smtClean="0"/>
+              <a:rPr lang="fr-FR" dirty="0"/>
               <a:t>Va démarrer l’apprentissage</a:t>
             </a:r>
           </a:p>
           <a:p>
             <a:r>
-              <a:rPr lang="fr-FR" dirty="0" err="1" smtClean="0"/>
+              <a:rPr lang="fr-FR" dirty="0" err="1"/>
               <a:t>Predict</a:t>
             </a:r>
             <a:r>
-              <a:rPr lang="fr-FR" dirty="0" smtClean="0"/>
+              <a:rPr lang="fr-FR" dirty="0"/>
               <a:t>()</a:t>
             </a:r>
           </a:p>
           <a:p>
             <a:pPr lvl="1"/>
             <a:r>
-              <a:rPr lang="fr-FR" dirty="0" smtClean="0"/>
+              <a:rPr lang="fr-FR" dirty="0"/>
               <a:t>Joue le modèle</a:t>
             </a:r>
           </a:p>
           <a:p>
             <a:r>
-              <a:rPr lang="fr-FR" dirty="0" smtClean="0"/>
+              <a:rPr lang="fr-FR" dirty="0"/>
               <a:t>Résultats identiques à </a:t>
             </a:r>
             <a:r>
-              <a:rPr lang="fr-FR" dirty="0" err="1" smtClean="0"/>
+              <a:rPr lang="fr-FR" dirty="0" err="1"/>
               <a:t>SciPy</a:t>
             </a:r>
-            <a:endParaRPr lang="fr-FR" dirty="0" smtClean="0"/>
+            <a:endParaRPr lang="fr-FR" dirty="0"/>
           </a:p>
         </p:txBody>
       </p:sp>
@@ -5096,7 +4152,7 @@
           <a:lstStyle/>
           <a:p>
             <a:r>
-              <a:rPr lang="fr-FR" dirty="0" err="1" smtClean="0"/>
+              <a:rPr lang="fr-FR" dirty="0" err="1"/>
               <a:t>Dataset</a:t>
             </a:r>
             <a:endParaRPr lang="fr-FR" dirty="0"/>
@@ -5119,46 +4175,41 @@
           <a:lstStyle/>
           <a:p>
             <a:r>
-              <a:rPr lang="fr-FR" dirty="0" smtClean="0"/>
+              <a:rPr lang="fr-FR" dirty="0"/>
               <a:t>X représente le </a:t>
             </a:r>
             <a:r>
-              <a:rPr lang="fr-FR" dirty="0" err="1" smtClean="0"/>
+              <a:rPr lang="fr-FR" dirty="0" err="1"/>
               <a:t>Dataset</a:t>
             </a:r>
-            <a:endParaRPr lang="fr-FR" dirty="0" smtClean="0"/>
+            <a:endParaRPr lang="fr-FR" dirty="0"/>
           </a:p>
           <a:p>
             <a:pPr lvl="1"/>
             <a:r>
-              <a:rPr lang="fr-FR" dirty="0" smtClean="0"/>
+              <a:rPr lang="fr-FR" dirty="0"/>
               <a:t>S’exprime en majuscule car il s’agit d’un matrice</a:t>
             </a:r>
           </a:p>
           <a:p>
             <a:pPr lvl="1"/>
             <a:r>
-              <a:rPr lang="fr-FR" dirty="0" smtClean="0"/>
+              <a:rPr lang="fr-FR" dirty="0"/>
               <a:t>1 dimension = 1 variable</a:t>
             </a:r>
           </a:p>
           <a:p>
             <a:r>
               <a:rPr lang="fr-FR" dirty="0"/>
-              <a:t>y</a:t>
-            </a:r>
-            <a:r>
-              <a:rPr lang="fr-FR" dirty="0" smtClean="0"/>
-              <a:t> représente le résultat</a:t>
+              <a:t>y représente le résultat</a:t>
             </a:r>
           </a:p>
           <a:p>
             <a:pPr lvl="1"/>
             <a:r>
-              <a:rPr lang="fr-FR" dirty="0" smtClean="0"/>
+              <a:rPr lang="fr-FR" dirty="0"/>
               <a:t>1 seul dimension</a:t>
             </a:r>
-            <a:endParaRPr lang="fr-FR" dirty="0"/>
           </a:p>
         </p:txBody>
       </p:sp>
@@ -5166,777 +4217,6 @@
     <p:extLst>
       <p:ext uri="{BB962C8B-B14F-4D97-AF65-F5344CB8AC3E}">
         <p14:creationId xmlns:p14="http://schemas.microsoft.com/office/powerpoint/2010/main" val="3497601935"/>
-      </p:ext>
-    </p:extLst>
-  </p:cSld>
-  <p:clrMapOvr>
-    <a:masterClrMapping/>
-  </p:clrMapOvr>
-</p:sld>
-</file>
-
-<file path=ppt/slides/slide5.xml><?xml version="1.0" encoding="utf-8"?>
-<p:sld xmlns:a="http://schemas.openxmlformats.org/drawingml/2006/main" xmlns:r="http://schemas.openxmlformats.org/officeDocument/2006/relationships" xmlns:p="http://schemas.openxmlformats.org/presentationml/2006/main">
-  <p:cSld>
-    <p:spTree>
-      <p:nvGrpSpPr>
-        <p:cNvPr id="1" name=""/>
-        <p:cNvGrpSpPr/>
-        <p:nvPr/>
-      </p:nvGrpSpPr>
-      <p:grpSpPr>
-        <a:xfrm>
-          <a:off x="0" y="0"/>
-          <a:ext cx="0" cy="0"/>
-          <a:chOff x="0" y="0"/>
-          <a:chExt cx="0" cy="0"/>
-        </a:xfrm>
-      </p:grpSpPr>
-      <p:sp>
-        <p:nvSpPr>
-          <p:cNvPr id="2" name="Titre 1"/>
-          <p:cNvSpPr>
-            <a:spLocks noGrp="1"/>
-          </p:cNvSpPr>
-          <p:nvPr>
-            <p:ph type="title"/>
-          </p:nvPr>
-        </p:nvSpPr>
-        <p:spPr/>
-        <p:txBody>
-          <a:bodyPr/>
-          <a:lstStyle/>
-          <a:p>
-            <a:r>
-              <a:rPr lang="fr-FR" dirty="0" err="1" smtClean="0"/>
-              <a:t>Echantillonage</a:t>
-            </a:r>
-            <a:endParaRPr lang="fr-FR" dirty="0"/>
-          </a:p>
-        </p:txBody>
-      </p:sp>
-      <p:sp>
-        <p:nvSpPr>
-          <p:cNvPr id="3" name="Espace réservé du contenu 2"/>
-          <p:cNvSpPr>
-            <a:spLocks noGrp="1"/>
-          </p:cNvSpPr>
-          <p:nvPr>
-            <p:ph idx="1"/>
-          </p:nvPr>
-        </p:nvSpPr>
-        <p:spPr/>
-        <p:txBody>
-          <a:bodyPr/>
-          <a:lstStyle/>
-          <a:p>
-            <a:r>
-              <a:rPr lang="fr-FR" dirty="0"/>
-              <a:t>Le jeu de données (</a:t>
-            </a:r>
-            <a:r>
-              <a:rPr lang="fr-FR" dirty="0" err="1"/>
-              <a:t>dataset</a:t>
-            </a:r>
-            <a:r>
-              <a:rPr lang="fr-FR" dirty="0"/>
-              <a:t>) dont vous disposez constitue une ressource </a:t>
-            </a:r>
-            <a:r>
-              <a:rPr lang="fr-FR" dirty="0" smtClean="0"/>
-              <a:t>précieuse</a:t>
-            </a:r>
-          </a:p>
-          <a:p>
-            <a:pPr lvl="1"/>
-            <a:r>
-              <a:rPr lang="fr-FR" dirty="0" smtClean="0"/>
-              <a:t>Il </a:t>
-            </a:r>
-            <a:r>
-              <a:rPr lang="fr-FR" dirty="0"/>
-              <a:t>faut pouvoir l’utiliser à bon escient afin de pouvoir à la fois choisir un modèle et </a:t>
-            </a:r>
-            <a:r>
-              <a:rPr lang="fr-FR" dirty="0" smtClean="0"/>
-              <a:t>l'entraîner</a:t>
-            </a:r>
-          </a:p>
-          <a:p>
-            <a:pPr lvl="1"/>
-            <a:r>
-              <a:rPr lang="fr-FR" dirty="0" smtClean="0"/>
-              <a:t>mais </a:t>
-            </a:r>
-            <a:r>
-              <a:rPr lang="fr-FR" dirty="0"/>
-              <a:t>aussi de pouvoir tester la qualité de ce </a:t>
-            </a:r>
-            <a:r>
-              <a:rPr lang="fr-FR" dirty="0" smtClean="0"/>
-              <a:t>modèle</a:t>
-            </a:r>
-          </a:p>
-          <a:p>
-            <a:r>
-              <a:rPr lang="fr-FR" dirty="0"/>
-              <a:t>La première question à se poser </a:t>
-            </a:r>
-            <a:r>
-              <a:rPr lang="fr-FR" dirty="0" smtClean="0"/>
-              <a:t>est</a:t>
-            </a:r>
-          </a:p>
-          <a:p>
-            <a:pPr lvl="1"/>
-            <a:r>
-              <a:rPr lang="fr-FR" dirty="0" smtClean="0"/>
-              <a:t>Est-ce </a:t>
-            </a:r>
-            <a:r>
-              <a:rPr lang="fr-FR" dirty="0"/>
-              <a:t>qu’on va utiliser toutes les données d'exemple dont on </a:t>
-            </a:r>
-            <a:r>
-              <a:rPr lang="fr-FR" dirty="0" smtClean="0"/>
-              <a:t>dispose ?</a:t>
-            </a:r>
-          </a:p>
-          <a:p>
-            <a:pPr lvl="1"/>
-            <a:r>
-              <a:rPr lang="fr-FR" dirty="0" smtClean="0"/>
-              <a:t>Volume, tests, …</a:t>
-            </a:r>
-          </a:p>
-          <a:p>
-            <a:r>
-              <a:rPr lang="fr-FR" dirty="0" smtClean="0"/>
-              <a:t>Il faut échantillonner (</a:t>
-            </a:r>
-            <a:r>
-              <a:rPr lang="fr-FR" dirty="0" err="1" smtClean="0"/>
-              <a:t>sampling</a:t>
-            </a:r>
-            <a:r>
-              <a:rPr lang="fr-FR" dirty="0" smtClean="0"/>
-              <a:t>) les données à tester</a:t>
-            </a:r>
-            <a:endParaRPr lang="fr-FR" dirty="0"/>
-          </a:p>
-        </p:txBody>
-      </p:sp>
-    </p:spTree>
-    <p:extLst>
-      <p:ext uri="{BB962C8B-B14F-4D97-AF65-F5344CB8AC3E}">
-        <p14:creationId xmlns:p14="http://schemas.microsoft.com/office/powerpoint/2010/main" val="4194262031"/>
-      </p:ext>
-    </p:extLst>
-  </p:cSld>
-  <p:clrMapOvr>
-    <a:masterClrMapping/>
-  </p:clrMapOvr>
-</p:sld>
-</file>
-
-<file path=ppt/slides/slide6.xml><?xml version="1.0" encoding="utf-8"?>
-<p:sld xmlns:a="http://schemas.openxmlformats.org/drawingml/2006/main" xmlns:r="http://schemas.openxmlformats.org/officeDocument/2006/relationships" xmlns:p="http://schemas.openxmlformats.org/presentationml/2006/main">
-  <p:cSld>
-    <p:spTree>
-      <p:nvGrpSpPr>
-        <p:cNvPr id="1" name=""/>
-        <p:cNvGrpSpPr/>
-        <p:nvPr/>
-      </p:nvGrpSpPr>
-      <p:grpSpPr>
-        <a:xfrm>
-          <a:off x="0" y="0"/>
-          <a:ext cx="0" cy="0"/>
-          <a:chOff x="0" y="0"/>
-          <a:chExt cx="0" cy="0"/>
-        </a:xfrm>
-      </p:grpSpPr>
-      <p:sp>
-        <p:nvSpPr>
-          <p:cNvPr id="2" name="Titre 1"/>
-          <p:cNvSpPr>
-            <a:spLocks noGrp="1"/>
-          </p:cNvSpPr>
-          <p:nvPr>
-            <p:ph type="title"/>
-          </p:nvPr>
-        </p:nvSpPr>
-        <p:spPr/>
-        <p:txBody>
-          <a:bodyPr/>
-          <a:lstStyle/>
-          <a:p>
-            <a:r>
-              <a:rPr lang="fr-FR" dirty="0" smtClean="0"/>
-              <a:t>Randomisation</a:t>
-            </a:r>
-            <a:endParaRPr lang="fr-FR" dirty="0"/>
-          </a:p>
-        </p:txBody>
-      </p:sp>
-      <p:sp>
-        <p:nvSpPr>
-          <p:cNvPr id="3" name="Espace réservé du contenu 2"/>
-          <p:cNvSpPr>
-            <a:spLocks noGrp="1"/>
-          </p:cNvSpPr>
-          <p:nvPr>
-            <p:ph idx="1"/>
-          </p:nvPr>
-        </p:nvSpPr>
-        <p:spPr/>
-        <p:txBody>
-          <a:bodyPr/>
-          <a:lstStyle/>
-          <a:p>
-            <a:r>
-              <a:rPr lang="fr-FR" dirty="0" smtClean="0"/>
-              <a:t>Il faut utiliser le bon échantillon</a:t>
-            </a:r>
-          </a:p>
-          <a:p>
-            <a:pPr lvl="1"/>
-            <a:r>
-              <a:rPr lang="fr-FR" dirty="0" smtClean="0"/>
-              <a:t>Bien répartis</a:t>
-            </a:r>
-          </a:p>
-          <a:p>
-            <a:pPr lvl="1"/>
-            <a:r>
-              <a:rPr lang="fr-FR" dirty="0" smtClean="0"/>
-              <a:t>Ne pas introduire de biais</a:t>
-            </a:r>
-          </a:p>
-          <a:p>
-            <a:pPr lvl="1"/>
-            <a:r>
-              <a:rPr lang="fr-FR" dirty="0" smtClean="0"/>
-              <a:t>Par exemple à Paris les loyers sont plus chères qu’ailleurs</a:t>
-            </a:r>
-          </a:p>
-          <a:p>
-            <a:r>
-              <a:rPr lang="fr-FR" dirty="0" smtClean="0"/>
-              <a:t>Il faut ensuite découper l’échantillon avec le</a:t>
-            </a:r>
-          </a:p>
-          <a:p>
-            <a:pPr lvl="1"/>
-            <a:r>
-              <a:rPr lang="fr-FR" dirty="0" smtClean="0"/>
-              <a:t>Training Set</a:t>
-            </a:r>
-          </a:p>
-          <a:p>
-            <a:pPr lvl="1"/>
-            <a:r>
-              <a:rPr lang="fr-FR" dirty="0" err="1" smtClean="0"/>
-              <a:t>Testing</a:t>
-            </a:r>
-            <a:r>
-              <a:rPr lang="fr-FR" dirty="0" smtClean="0"/>
-              <a:t> Set</a:t>
-            </a:r>
-          </a:p>
-          <a:p>
-            <a:r>
-              <a:rPr lang="fr-FR" dirty="0" smtClean="0"/>
-              <a:t>L’un sert à l’apprentissage, l’autre au test</a:t>
-            </a:r>
-          </a:p>
-          <a:p>
-            <a:pPr lvl="1"/>
-            <a:r>
-              <a:rPr lang="fr-FR" dirty="0" smtClean="0"/>
-              <a:t>Souvent 80/20</a:t>
-            </a:r>
-            <a:endParaRPr lang="fr-FR" dirty="0"/>
-          </a:p>
-        </p:txBody>
-      </p:sp>
-    </p:spTree>
-    <p:extLst>
-      <p:ext uri="{BB962C8B-B14F-4D97-AF65-F5344CB8AC3E}">
-        <p14:creationId xmlns:p14="http://schemas.microsoft.com/office/powerpoint/2010/main" val="2196960570"/>
-      </p:ext>
-    </p:extLst>
-  </p:cSld>
-  <p:clrMapOvr>
-    <a:masterClrMapping/>
-  </p:clrMapOvr>
-</p:sld>
-</file>
-
-<file path=ppt/slides/slide7.xml><?xml version="1.0" encoding="utf-8"?>
-<p:sld xmlns:a="http://schemas.openxmlformats.org/drawingml/2006/main" xmlns:r="http://schemas.openxmlformats.org/officeDocument/2006/relationships" xmlns:p="http://schemas.openxmlformats.org/presentationml/2006/main">
-  <p:cSld>
-    <p:spTree>
-      <p:nvGrpSpPr>
-        <p:cNvPr id="1" name=""/>
-        <p:cNvGrpSpPr/>
-        <p:nvPr/>
-      </p:nvGrpSpPr>
-      <p:grpSpPr>
-        <a:xfrm>
-          <a:off x="0" y="0"/>
-          <a:ext cx="0" cy="0"/>
-          <a:chOff x="0" y="0"/>
-          <a:chExt cx="0" cy="0"/>
-        </a:xfrm>
-      </p:grpSpPr>
-      <p:sp>
-        <p:nvSpPr>
-          <p:cNvPr id="2" name="Titre 1"/>
-          <p:cNvSpPr>
-            <a:spLocks noGrp="1"/>
-          </p:cNvSpPr>
-          <p:nvPr>
-            <p:ph type="title"/>
-          </p:nvPr>
-        </p:nvSpPr>
-        <p:spPr/>
-        <p:txBody>
-          <a:bodyPr/>
-          <a:lstStyle/>
-          <a:p>
-            <a:r>
-              <a:rPr lang="fr-FR" dirty="0" smtClean="0"/>
-              <a:t>Randomisation</a:t>
-            </a:r>
-            <a:endParaRPr lang="fr-FR" dirty="0"/>
-          </a:p>
-        </p:txBody>
-      </p:sp>
-      <p:sp>
-        <p:nvSpPr>
-          <p:cNvPr id="3" name="Espace réservé du contenu 2"/>
-          <p:cNvSpPr>
-            <a:spLocks noGrp="1"/>
-          </p:cNvSpPr>
-          <p:nvPr>
-            <p:ph idx="1"/>
-          </p:nvPr>
-        </p:nvSpPr>
-        <p:spPr/>
-        <p:txBody>
-          <a:bodyPr/>
-          <a:lstStyle/>
-          <a:p>
-            <a:r>
-              <a:rPr lang="fr-FR" dirty="0"/>
-              <a:t>I</a:t>
-            </a:r>
-            <a:r>
-              <a:rPr lang="fr-FR" dirty="0" smtClean="0"/>
-              <a:t>l </a:t>
-            </a:r>
-            <a:r>
-              <a:rPr lang="fr-FR" dirty="0"/>
-              <a:t>s’avère que si on entraîne le modèle avec des données, il va naturellement être plus performant sur ces </a:t>
-            </a:r>
-            <a:r>
-              <a:rPr lang="fr-FR" dirty="0" smtClean="0"/>
-              <a:t>données-là</a:t>
-            </a:r>
-          </a:p>
-          <a:p>
-            <a:r>
-              <a:rPr lang="fr-FR" dirty="0" smtClean="0"/>
-              <a:t>Ce </a:t>
-            </a:r>
-            <a:r>
-              <a:rPr lang="fr-FR" dirty="0"/>
-              <a:t>qui nous intéresse c’est de mesurer sa performance sur des données qu’il n’a jamais vues puisque c’est ce qui va se passer en </a:t>
-            </a:r>
-            <a:r>
-              <a:rPr lang="fr-FR" dirty="0" smtClean="0"/>
-              <a:t>pratique</a:t>
-            </a:r>
-          </a:p>
-          <a:p>
-            <a:r>
-              <a:rPr lang="fr-FR" dirty="0" smtClean="0"/>
-              <a:t>Cette </a:t>
-            </a:r>
-            <a:r>
-              <a:rPr lang="fr-FR" dirty="0"/>
-              <a:t>performance est appelée la </a:t>
-            </a:r>
-            <a:r>
-              <a:rPr lang="fr-FR" b="1" dirty="0"/>
-              <a:t>généralisation</a:t>
-            </a:r>
-            <a:r>
-              <a:rPr lang="fr-FR" dirty="0"/>
-              <a:t> du </a:t>
-            </a:r>
-            <a:r>
-              <a:rPr lang="fr-FR" dirty="0" smtClean="0"/>
-              <a:t>modèle</a:t>
-            </a:r>
-            <a:endParaRPr lang="fr-FR" dirty="0"/>
-          </a:p>
-          <a:p>
-            <a:pPr lvl="1"/>
-            <a:r>
-              <a:rPr lang="fr-FR" dirty="0" smtClean="0"/>
-              <a:t>Sa </a:t>
-            </a:r>
-            <a:r>
-              <a:rPr lang="fr-FR" dirty="0"/>
-              <a:t>capacité à effectuer des prédictions de qualité sur des situations jamais rencontrées.</a:t>
-            </a:r>
-          </a:p>
-        </p:txBody>
-      </p:sp>
-    </p:spTree>
-    <p:extLst>
-      <p:ext uri="{BB962C8B-B14F-4D97-AF65-F5344CB8AC3E}">
-        <p14:creationId xmlns:p14="http://schemas.microsoft.com/office/powerpoint/2010/main" val="2686961324"/>
-      </p:ext>
-    </p:extLst>
-  </p:cSld>
-  <p:clrMapOvr>
-    <a:masterClrMapping/>
-  </p:clrMapOvr>
-</p:sld>
-</file>
-
-<file path=ppt/slides/slide8.xml><?xml version="1.0" encoding="utf-8"?>
-<p:sld xmlns:a="http://schemas.openxmlformats.org/drawingml/2006/main" xmlns:r="http://schemas.openxmlformats.org/officeDocument/2006/relationships" xmlns:p="http://schemas.openxmlformats.org/presentationml/2006/main">
-  <p:cSld>
-    <p:spTree>
-      <p:nvGrpSpPr>
-        <p:cNvPr id="1" name=""/>
-        <p:cNvGrpSpPr/>
-        <p:nvPr/>
-      </p:nvGrpSpPr>
-      <p:grpSpPr>
-        <a:xfrm>
-          <a:off x="0" y="0"/>
-          <a:ext cx="0" cy="0"/>
-          <a:chOff x="0" y="0"/>
-          <a:chExt cx="0" cy="0"/>
-        </a:xfrm>
-      </p:grpSpPr>
-      <p:sp>
-        <p:nvSpPr>
-          <p:cNvPr id="2" name="Titre 1"/>
-          <p:cNvSpPr>
-            <a:spLocks noGrp="1"/>
-          </p:cNvSpPr>
-          <p:nvPr>
-            <p:ph type="title"/>
-          </p:nvPr>
-        </p:nvSpPr>
-        <p:spPr/>
-        <p:txBody>
-          <a:bodyPr/>
-          <a:lstStyle/>
-          <a:p>
-            <a:r>
-              <a:rPr lang="fr-FR" dirty="0" smtClean="0"/>
-              <a:t>Model </a:t>
-            </a:r>
-            <a:r>
-              <a:rPr lang="fr-FR" dirty="0" err="1" smtClean="0"/>
-              <a:t>Selection</a:t>
-            </a:r>
-            <a:endParaRPr lang="fr-FR" dirty="0"/>
-          </a:p>
-        </p:txBody>
-      </p:sp>
-      <p:sp>
-        <p:nvSpPr>
-          <p:cNvPr id="3" name="Espace réservé du contenu 2"/>
-          <p:cNvSpPr>
-            <a:spLocks noGrp="1"/>
-          </p:cNvSpPr>
-          <p:nvPr>
-            <p:ph idx="1"/>
-          </p:nvPr>
-        </p:nvSpPr>
-        <p:spPr/>
-        <p:txBody>
-          <a:bodyPr/>
-          <a:lstStyle/>
-          <a:p>
-            <a:r>
-              <a:rPr lang="fr-FR" dirty="0" smtClean="0"/>
-              <a:t>Model </a:t>
-            </a:r>
-            <a:r>
-              <a:rPr lang="fr-FR" dirty="0" err="1" smtClean="0"/>
-              <a:t>Selection</a:t>
-            </a:r>
-            <a:r>
-              <a:rPr lang="fr-FR" dirty="0" smtClean="0"/>
-              <a:t> est un module de sélection de modèle</a:t>
-            </a:r>
-          </a:p>
-          <a:p>
-            <a:r>
-              <a:rPr lang="fr-FR" dirty="0" err="1" smtClean="0"/>
-              <a:t>Train_test_split</a:t>
-            </a:r>
-            <a:r>
-              <a:rPr lang="fr-FR" dirty="0" smtClean="0"/>
-              <a:t> permet de découper le </a:t>
-            </a:r>
-            <a:r>
-              <a:rPr lang="fr-FR" dirty="0" err="1" smtClean="0"/>
-              <a:t>dataset</a:t>
-            </a:r>
-            <a:endParaRPr lang="fr-FR" dirty="0" smtClean="0"/>
-          </a:p>
-          <a:p>
-            <a:pPr lvl="1"/>
-            <a:r>
-              <a:rPr lang="fr-FR" dirty="0"/>
-              <a:t>import </a:t>
-            </a:r>
-            <a:r>
-              <a:rPr lang="fr-FR" dirty="0" err="1"/>
-              <a:t>sklearn.model_selection</a:t>
-            </a:r>
-            <a:r>
-              <a:rPr lang="fr-FR" dirty="0"/>
-              <a:t> as ms</a:t>
-            </a:r>
-          </a:p>
-          <a:p>
-            <a:pPr lvl="1"/>
-            <a:r>
-              <a:rPr lang="fr-FR" dirty="0" err="1" smtClean="0"/>
-              <a:t>xtrain</a:t>
-            </a:r>
-            <a:r>
-              <a:rPr lang="fr-FR" dirty="0"/>
-              <a:t>, </a:t>
-            </a:r>
-            <a:r>
-              <a:rPr lang="fr-FR" dirty="0" err="1"/>
-              <a:t>xtest</a:t>
-            </a:r>
-            <a:r>
-              <a:rPr lang="fr-FR" dirty="0"/>
-              <a:t>, </a:t>
-            </a:r>
-            <a:r>
-              <a:rPr lang="fr-FR" dirty="0" err="1"/>
-              <a:t>ytrain</a:t>
-            </a:r>
-            <a:r>
-              <a:rPr lang="fr-FR" dirty="0"/>
-              <a:t>, </a:t>
-            </a:r>
-            <a:r>
-              <a:rPr lang="fr-FR" dirty="0" err="1"/>
-              <a:t>ytest</a:t>
-            </a:r>
-            <a:r>
-              <a:rPr lang="fr-FR" dirty="0"/>
-              <a:t> = </a:t>
-            </a:r>
-            <a:r>
-              <a:rPr lang="fr-FR" dirty="0" err="1"/>
-              <a:t>ms.train_test_split</a:t>
-            </a:r>
-            <a:r>
-              <a:rPr lang="fr-FR" dirty="0"/>
-              <a:t>(X, y, </a:t>
-            </a:r>
-            <a:r>
-              <a:rPr lang="fr-FR" dirty="0" err="1"/>
-              <a:t>train_size</a:t>
-            </a:r>
-            <a:r>
-              <a:rPr lang="fr-FR" dirty="0"/>
-              <a:t>=0.8, </a:t>
-            </a:r>
-            <a:r>
-              <a:rPr lang="fr-FR" dirty="0" err="1"/>
-              <a:t>test_size</a:t>
-            </a:r>
-            <a:r>
-              <a:rPr lang="fr-FR" dirty="0"/>
-              <a:t>=0.2)</a:t>
-            </a:r>
-          </a:p>
-        </p:txBody>
-      </p:sp>
-    </p:spTree>
-    <p:extLst>
-      <p:ext uri="{BB962C8B-B14F-4D97-AF65-F5344CB8AC3E}">
-        <p14:creationId xmlns:p14="http://schemas.microsoft.com/office/powerpoint/2010/main" val="3218335915"/>
-      </p:ext>
-    </p:extLst>
-  </p:cSld>
-  <p:clrMapOvr>
-    <a:masterClrMapping/>
-  </p:clrMapOvr>
-</p:sld>
-</file>
-
-<file path=ppt/slides/slide9.xml><?xml version="1.0" encoding="utf-8"?>
-<p:sld xmlns:a="http://schemas.openxmlformats.org/drawingml/2006/main" xmlns:r="http://schemas.openxmlformats.org/officeDocument/2006/relationships" xmlns:p="http://schemas.openxmlformats.org/presentationml/2006/main">
-  <p:cSld>
-    <p:spTree>
-      <p:nvGrpSpPr>
-        <p:cNvPr id="1" name=""/>
-        <p:cNvGrpSpPr/>
-        <p:nvPr/>
-      </p:nvGrpSpPr>
-      <p:grpSpPr>
-        <a:xfrm>
-          <a:off x="0" y="0"/>
-          <a:ext cx="0" cy="0"/>
-          <a:chOff x="0" y="0"/>
-          <a:chExt cx="0" cy="0"/>
-        </a:xfrm>
-      </p:grpSpPr>
-      <p:sp>
-        <p:nvSpPr>
-          <p:cNvPr id="2" name="Titre 1"/>
-          <p:cNvSpPr>
-            <a:spLocks noGrp="1"/>
-          </p:cNvSpPr>
-          <p:nvPr>
-            <p:ph type="title"/>
-          </p:nvPr>
-        </p:nvSpPr>
-        <p:spPr/>
-        <p:txBody>
-          <a:bodyPr/>
-          <a:lstStyle/>
-          <a:p>
-            <a:r>
-              <a:rPr lang="fr-FR" dirty="0" smtClean="0"/>
-              <a:t>Interprétation du résultat</a:t>
-            </a:r>
-            <a:endParaRPr lang="fr-FR" dirty="0"/>
-          </a:p>
-        </p:txBody>
-      </p:sp>
-      <p:sp>
-        <p:nvSpPr>
-          <p:cNvPr id="3" name="Espace réservé du contenu 2"/>
-          <p:cNvSpPr>
-            <a:spLocks noGrp="1"/>
-          </p:cNvSpPr>
-          <p:nvPr>
-            <p:ph idx="1"/>
-          </p:nvPr>
-        </p:nvSpPr>
-        <p:spPr/>
-        <p:txBody>
-          <a:bodyPr/>
-          <a:lstStyle/>
-          <a:p>
-            <a:r>
-              <a:rPr lang="fr-FR" dirty="0" smtClean="0"/>
-              <a:t>Evidement en ayant moins de données le résultat sur le training set sera un peu moins bon</a:t>
-            </a:r>
-          </a:p>
-          <a:p>
-            <a:r>
-              <a:rPr lang="fr-FR" dirty="0" smtClean="0"/>
-              <a:t>Mais faut rejouer la régression sur les </a:t>
-            </a:r>
-            <a:r>
-              <a:rPr lang="fr-FR" dirty="0" err="1" smtClean="0"/>
-              <a:t>testing</a:t>
-            </a:r>
-            <a:r>
-              <a:rPr lang="fr-FR" dirty="0" smtClean="0"/>
-              <a:t> set</a:t>
-            </a:r>
-          </a:p>
-          <a:p>
-            <a:pPr lvl="1"/>
-            <a:r>
-              <a:rPr lang="fr-FR" dirty="0" smtClean="0"/>
-              <a:t>C’est se résultat qui importe</a:t>
-            </a:r>
-          </a:p>
-          <a:p>
-            <a:pPr lvl="1"/>
-            <a:r>
-              <a:rPr lang="fr-FR" dirty="0" smtClean="0"/>
-              <a:t>Il peut être nécessaire de rejouer le modèle plusieurs fois pour arriver à un résultat satisfaisant</a:t>
-            </a:r>
-          </a:p>
-          <a:p>
-            <a:pPr lvl="1"/>
-            <a:r>
-              <a:rPr lang="fr-FR" dirty="0" smtClean="0"/>
-              <a:t>Training vs test</a:t>
-            </a:r>
-          </a:p>
-          <a:p>
-            <a:pPr lvl="1"/>
-            <a:endParaRPr lang="fr-FR" dirty="0"/>
-          </a:p>
-        </p:txBody>
-      </p:sp>
-      <p:pic>
-        <p:nvPicPr>
-          <p:cNvPr id="4" name="Image 3"/>
-          <p:cNvPicPr>
-            <a:picLocks noChangeAspect="1"/>
-          </p:cNvPicPr>
-          <p:nvPr/>
-        </p:nvPicPr>
-        <p:blipFill>
-          <a:blip r:embed="rId2"/>
-          <a:stretch>
-            <a:fillRect/>
-          </a:stretch>
-        </p:blipFill>
-        <p:spPr>
-          <a:xfrm>
-            <a:off x="899592" y="4482281"/>
-            <a:ext cx="3158514" cy="2314380"/>
-          </a:xfrm>
-          <a:prstGeom prst="rect">
-            <a:avLst/>
-          </a:prstGeom>
-        </p:spPr>
-      </p:pic>
-      <p:pic>
-        <p:nvPicPr>
-          <p:cNvPr id="5" name="Image 4"/>
-          <p:cNvPicPr>
-            <a:picLocks noChangeAspect="1"/>
-          </p:cNvPicPr>
-          <p:nvPr/>
-        </p:nvPicPr>
-        <p:blipFill>
-          <a:blip r:embed="rId3"/>
-          <a:stretch>
-            <a:fillRect/>
-          </a:stretch>
-        </p:blipFill>
-        <p:spPr>
-          <a:xfrm>
-            <a:off x="5220072" y="4565194"/>
-            <a:ext cx="3118678" cy="2231467"/>
-          </a:xfrm>
-          <a:prstGeom prst="rect">
-            <a:avLst/>
-          </a:prstGeom>
-        </p:spPr>
-      </p:pic>
-    </p:spTree>
-    <p:extLst>
-      <p:ext uri="{BB962C8B-B14F-4D97-AF65-F5344CB8AC3E}">
-        <p14:creationId xmlns:p14="http://schemas.microsoft.com/office/powerpoint/2010/main" val="2031907141"/>
       </p:ext>
     </p:extLst>
   </p:cSld>
